--- a/images/aboutme/PRJ-1.pptx
+++ b/images/aboutme/PRJ-1.pptx
@@ -5,7 +5,7 @@
     <p:sldMasterId id="2147483659" r:id="rId1"/>
   </p:sldMasterIdLst>
   <p:notesMasterIdLst>
-    <p:notesMasterId r:id="rId12"/>
+    <p:notesMasterId r:id="rId14"/>
   </p:notesMasterIdLst>
   <p:sldIdLst>
     <p:sldId id="302" r:id="rId2"/>
@@ -14,10 +14,12 @@
     <p:sldId id="258" r:id="rId5"/>
     <p:sldId id="306" r:id="rId6"/>
     <p:sldId id="307" r:id="rId7"/>
-    <p:sldId id="308" r:id="rId8"/>
-    <p:sldId id="309" r:id="rId9"/>
-    <p:sldId id="304" r:id="rId10"/>
-    <p:sldId id="310" r:id="rId11"/>
+    <p:sldId id="311" r:id="rId8"/>
+    <p:sldId id="312" r:id="rId9"/>
+    <p:sldId id="308" r:id="rId10"/>
+    <p:sldId id="309" r:id="rId11"/>
+    <p:sldId id="304" r:id="rId12"/>
+    <p:sldId id="310" r:id="rId13"/>
   </p:sldIdLst>
   <p:sldSz cx="9144000" cy="5143500" type="screen16x9"/>
   <p:notesSz cx="6858000" cy="9144000"/>
@@ -6449,6 +6451,749 @@
   <p:cSld>
     <p:spTree>
       <p:nvGrpSpPr>
+        <p:cNvPr id="1" name=""/>
+        <p:cNvGrpSpPr/>
+        <p:nvPr/>
+      </p:nvGrpSpPr>
+      <p:grpSpPr>
+        <a:xfrm>
+          <a:off x="0" y="0"/>
+          <a:ext cx="0" cy="0"/>
+          <a:chOff x="0" y="0"/>
+          <a:chExt cx="0" cy="0"/>
+        </a:xfrm>
+      </p:grpSpPr>
+      <p:pic>
+        <p:nvPicPr>
+          <p:cNvPr id="3" name="Рисунок 2">
+            <a:extLst>
+              <a:ext uri="{FF2B5EF4-FFF2-40B4-BE49-F238E27FC236}">
+                <a16:creationId xmlns:a16="http://schemas.microsoft.com/office/drawing/2014/main" id="{0A43035F-2F9B-C976-F413-33742C425C53}"/>
+              </a:ext>
+            </a:extLst>
+          </p:cNvPr>
+          <p:cNvPicPr>
+            <a:picLocks noChangeAspect="1"/>
+          </p:cNvPicPr>
+          <p:nvPr/>
+        </p:nvPicPr>
+        <p:blipFill>
+          <a:blip r:embed="rId2" cstate="print">
+            <a:extLst>
+              <a:ext uri="{28A0092B-C50C-407E-A947-70E740481C1C}">
+                <a14:useLocalDpi xmlns:a14="http://schemas.microsoft.com/office/drawing/2010/main" val="0"/>
+              </a:ext>
+            </a:extLst>
+          </a:blip>
+          <a:stretch>
+            <a:fillRect/>
+          </a:stretch>
+        </p:blipFill>
+        <p:spPr>
+          <a:xfrm>
+            <a:off x="6374188" y="2769868"/>
+            <a:ext cx="2405380" cy="1879119"/>
+          </a:xfrm>
+          <a:prstGeom prst="rect">
+            <a:avLst/>
+          </a:prstGeom>
+        </p:spPr>
+      </p:pic>
+      <p:pic>
+        <p:nvPicPr>
+          <p:cNvPr id="11" name="Рисунок 10">
+            <a:extLst>
+              <a:ext uri="{FF2B5EF4-FFF2-40B4-BE49-F238E27FC236}">
+                <a16:creationId xmlns:a16="http://schemas.microsoft.com/office/drawing/2014/main" id="{19E72B60-003A-1A69-8063-1E6367ECB6CB}"/>
+              </a:ext>
+            </a:extLst>
+          </p:cNvPr>
+          <p:cNvPicPr>
+            <a:picLocks noChangeAspect="1"/>
+          </p:cNvPicPr>
+          <p:nvPr/>
+        </p:nvPicPr>
+        <p:blipFill>
+          <a:blip r:embed="rId3">
+            <a:extLst>
+              <a:ext uri="{28A0092B-C50C-407E-A947-70E740481C1C}">
+                <a14:useLocalDpi xmlns:a14="http://schemas.microsoft.com/office/drawing/2010/main" val="0"/>
+              </a:ext>
+            </a:extLst>
+          </a:blip>
+          <a:stretch>
+            <a:fillRect/>
+          </a:stretch>
+        </p:blipFill>
+        <p:spPr>
+          <a:xfrm>
+            <a:off x="6374188" y="631879"/>
+            <a:ext cx="2405380" cy="1830705"/>
+          </a:xfrm>
+          <a:prstGeom prst="rect">
+            <a:avLst/>
+          </a:prstGeom>
+        </p:spPr>
+      </p:pic>
+      <p:pic>
+        <p:nvPicPr>
+          <p:cNvPr id="15" name="Рисунок 14">
+            <a:extLst>
+              <a:ext uri="{FF2B5EF4-FFF2-40B4-BE49-F238E27FC236}">
+                <a16:creationId xmlns:a16="http://schemas.microsoft.com/office/drawing/2014/main" id="{10FCFC51-81EE-E5A0-84AC-78E95B628967}"/>
+              </a:ext>
+            </a:extLst>
+          </p:cNvPr>
+          <p:cNvPicPr>
+            <a:picLocks noChangeAspect="1"/>
+          </p:cNvPicPr>
+          <p:nvPr/>
+        </p:nvPicPr>
+        <p:blipFill>
+          <a:blip r:embed="rId4" cstate="print">
+            <a:extLst>
+              <a:ext uri="{28A0092B-C50C-407E-A947-70E740481C1C}">
+                <a14:useLocalDpi xmlns:a14="http://schemas.microsoft.com/office/drawing/2010/main" val="0"/>
+              </a:ext>
+            </a:extLst>
+          </a:blip>
+          <a:stretch>
+            <a:fillRect/>
+          </a:stretch>
+        </p:blipFill>
+        <p:spPr>
+          <a:xfrm>
+            <a:off x="3595107" y="631878"/>
+            <a:ext cx="2435176" cy="1830705"/>
+          </a:xfrm>
+          <a:prstGeom prst="rect">
+            <a:avLst/>
+          </a:prstGeom>
+        </p:spPr>
+      </p:pic>
+      <p:pic>
+        <p:nvPicPr>
+          <p:cNvPr id="16" name="Рисунок 15">
+            <a:extLst>
+              <a:ext uri="{FF2B5EF4-FFF2-40B4-BE49-F238E27FC236}">
+                <a16:creationId xmlns:a16="http://schemas.microsoft.com/office/drawing/2014/main" id="{095F38AE-6765-FE62-A082-C3503F07C1CE}"/>
+              </a:ext>
+            </a:extLst>
+          </p:cNvPr>
+          <p:cNvPicPr>
+            <a:picLocks noChangeAspect="1"/>
+          </p:cNvPicPr>
+          <p:nvPr/>
+        </p:nvPicPr>
+        <p:blipFill>
+          <a:blip r:embed="rId5" cstate="print">
+            <a:extLst>
+              <a:ext uri="{28A0092B-C50C-407E-A947-70E740481C1C}">
+                <a14:useLocalDpi xmlns:a14="http://schemas.microsoft.com/office/drawing/2010/main" val="0"/>
+              </a:ext>
+            </a:extLst>
+          </a:blip>
+          <a:stretch>
+            <a:fillRect/>
+          </a:stretch>
+        </p:blipFill>
+        <p:spPr>
+          <a:xfrm>
+            <a:off x="262882" y="2769868"/>
+            <a:ext cx="2915285" cy="1926420"/>
+          </a:xfrm>
+          <a:prstGeom prst="rect">
+            <a:avLst/>
+          </a:prstGeom>
+        </p:spPr>
+      </p:pic>
+      <p:pic>
+        <p:nvPicPr>
+          <p:cNvPr id="17" name="Рисунок 16">
+            <a:extLst>
+              <a:ext uri="{FF2B5EF4-FFF2-40B4-BE49-F238E27FC236}">
+                <a16:creationId xmlns:a16="http://schemas.microsoft.com/office/drawing/2014/main" id="{B9FB06EF-36A5-623A-D85D-179D756C8581}"/>
+              </a:ext>
+            </a:extLst>
+          </p:cNvPr>
+          <p:cNvPicPr>
+            <a:picLocks noChangeAspect="1"/>
+          </p:cNvPicPr>
+          <p:nvPr/>
+        </p:nvPicPr>
+        <p:blipFill>
+          <a:blip r:embed="rId6" cstate="print">
+            <a:extLst>
+              <a:ext uri="{28A0092B-C50C-407E-A947-70E740481C1C}">
+                <a14:useLocalDpi xmlns:a14="http://schemas.microsoft.com/office/drawing/2010/main" val="0"/>
+              </a:ext>
+            </a:extLst>
+          </a:blip>
+          <a:stretch>
+            <a:fillRect/>
+          </a:stretch>
+        </p:blipFill>
+        <p:spPr>
+          <a:xfrm>
+            <a:off x="3519843" y="2769867"/>
+            <a:ext cx="2512670" cy="1879120"/>
+          </a:xfrm>
+          <a:prstGeom prst="rect">
+            <a:avLst/>
+          </a:prstGeom>
+        </p:spPr>
+      </p:pic>
+      <p:sp>
+        <p:nvSpPr>
+          <p:cNvPr id="24" name="TextBox 23">
+            <a:extLst>
+              <a:ext uri="{FF2B5EF4-FFF2-40B4-BE49-F238E27FC236}">
+                <a16:creationId xmlns:a16="http://schemas.microsoft.com/office/drawing/2014/main" id="{D79EE3FA-A4A1-FD16-65F3-EB5C0D78E104}"/>
+              </a:ext>
+            </a:extLst>
+          </p:cNvPr>
+          <p:cNvSpPr txBox="1"/>
+          <p:nvPr/>
+        </p:nvSpPr>
+        <p:spPr>
+          <a:xfrm>
+            <a:off x="262883" y="447213"/>
+            <a:ext cx="2547938" cy="369332"/>
+          </a:xfrm>
+          <a:prstGeom prst="rect">
+            <a:avLst/>
+          </a:prstGeom>
+          <a:solidFill>
+            <a:schemeClr val="tx1"/>
+          </a:solidFill>
+          <a:ln w="63500" cap="rnd">
+            <a:solidFill>
+              <a:schemeClr val="tx1"/>
+            </a:solidFill>
+          </a:ln>
+        </p:spPr>
+        <p:txBody>
+          <a:bodyPr wrap="square">
+            <a:spAutoFit/>
+          </a:bodyPr>
+          <a:lstStyle/>
+          <a:p>
+            <a:pPr algn="ctr"/>
+            <a:r>
+              <a:rPr lang="en-US" sz="1800" dirty="0">
+                <a:solidFill>
+                  <a:schemeClr val="bg1"/>
+                </a:solidFill>
+              </a:rPr>
+              <a:t>Sketches</a:t>
+            </a:r>
+          </a:p>
+        </p:txBody>
+      </p:sp>
+      <p:sp>
+        <p:nvSpPr>
+          <p:cNvPr id="25" name="TextBox 24">
+            <a:extLst>
+              <a:ext uri="{FF2B5EF4-FFF2-40B4-BE49-F238E27FC236}">
+                <a16:creationId xmlns:a16="http://schemas.microsoft.com/office/drawing/2014/main" id="{9467D8CD-CCCA-AC00-B194-B7BDEED5A2CE}"/>
+              </a:ext>
+            </a:extLst>
+          </p:cNvPr>
+          <p:cNvSpPr txBox="1"/>
+          <p:nvPr/>
+        </p:nvSpPr>
+        <p:spPr>
+          <a:xfrm>
+            <a:off x="262883" y="981115"/>
+            <a:ext cx="2988319" cy="1384995"/>
+          </a:xfrm>
+          <a:prstGeom prst="rect">
+            <a:avLst/>
+          </a:prstGeom>
+          <a:noFill/>
+          <a:ln w="25400" cap="rnd">
+            <a:solidFill>
+              <a:schemeClr val="tx1"/>
+            </a:solidFill>
+          </a:ln>
+        </p:spPr>
+        <p:txBody>
+          <a:bodyPr wrap="square">
+            <a:spAutoFit/>
+          </a:bodyPr>
+          <a:lstStyle/>
+          <a:p>
+            <a:r>
+              <a:rPr lang="en" dirty="0">
+                <a:effectLst/>
+              </a:rPr>
+              <a:t>I started with a few rough sketches to display the functionality of the modified courier robot and its approximate location of elements. As well as the estimated work process.</a:t>
+            </a:r>
+            <a:endParaRPr lang="ru-KZ" dirty="0"/>
+          </a:p>
+        </p:txBody>
+      </p:sp>
+    </p:spTree>
+    <p:extLst>
+      <p:ext uri="{BB962C8B-B14F-4D97-AF65-F5344CB8AC3E}">
+        <p14:creationId xmlns:p14="http://schemas.microsoft.com/office/powerpoint/2010/main" val="2122773883"/>
+      </p:ext>
+    </p:extLst>
+  </p:cSld>
+  <p:clrMapOvr>
+    <a:masterClrMapping/>
+  </p:clrMapOvr>
+</p:sld>
+</file>
+
+<file path=ppt/slides/slide11.xml><?xml version="1.0" encoding="utf-8"?>
+<p:sld xmlns:a="http://schemas.openxmlformats.org/drawingml/2006/main" xmlns:r="http://schemas.openxmlformats.org/officeDocument/2006/relationships" xmlns:p="http://schemas.openxmlformats.org/presentationml/2006/main">
+  <p:cSld>
+    <p:spTree>
+      <p:nvGrpSpPr>
+        <p:cNvPr id="1" name="Shape 71"/>
+        <p:cNvGrpSpPr/>
+        <p:nvPr/>
+      </p:nvGrpSpPr>
+      <p:grpSpPr>
+        <a:xfrm>
+          <a:off x="0" y="0"/>
+          <a:ext cx="0" cy="0"/>
+          <a:chOff x="0" y="0"/>
+          <a:chExt cx="0" cy="0"/>
+        </a:xfrm>
+      </p:grpSpPr>
+      <p:sp>
+        <p:nvSpPr>
+          <p:cNvPr id="18" name="TextBox 17">
+            <a:extLst>
+              <a:ext uri="{FF2B5EF4-FFF2-40B4-BE49-F238E27FC236}">
+                <a16:creationId xmlns:a16="http://schemas.microsoft.com/office/drawing/2014/main" id="{1684DAA8-80F6-0B60-F4E9-541ADA37ED31}"/>
+              </a:ext>
+            </a:extLst>
+          </p:cNvPr>
+          <p:cNvSpPr txBox="1"/>
+          <p:nvPr/>
+        </p:nvSpPr>
+        <p:spPr>
+          <a:xfrm>
+            <a:off x="164268" y="755868"/>
+            <a:ext cx="8674932" cy="954107"/>
+          </a:xfrm>
+          <a:prstGeom prst="rect">
+            <a:avLst/>
+          </a:prstGeom>
+          <a:noFill/>
+          <a:ln w="25400" cap="rnd">
+            <a:solidFill>
+              <a:schemeClr val="tx1"/>
+            </a:solidFill>
+          </a:ln>
+        </p:spPr>
+        <p:txBody>
+          <a:bodyPr wrap="square">
+            <a:spAutoFit/>
+          </a:bodyPr>
+          <a:lstStyle/>
+          <a:p>
+            <a:r>
+              <a:rPr lang="en" dirty="0">
+                <a:effectLst/>
+              </a:rPr>
+              <a:t>The </a:t>
+            </a:r>
+            <a:r>
+              <a:rPr lang="en-US" dirty="0">
+                <a:effectLst/>
+              </a:rPr>
+              <a:t>I</a:t>
+            </a:r>
+            <a:r>
+              <a:rPr lang="en" dirty="0">
+                <a:effectLst/>
+              </a:rPr>
+              <a:t>Bot Network Communication Service is an innovative solution to improve the quality of the internet connection on the SDU campus. The </a:t>
+            </a:r>
+            <a:r>
+              <a:rPr lang="en" dirty="0" err="1"/>
+              <a:t>I</a:t>
+            </a:r>
+            <a:r>
+              <a:rPr lang="en" dirty="0" err="1">
+                <a:effectLst/>
+              </a:rPr>
+              <a:t>Bot</a:t>
+            </a:r>
+            <a:r>
+              <a:rPr lang="en" dirty="0">
+                <a:effectLst/>
+              </a:rPr>
+              <a:t> system automatically scans various areas of the university, analyzing the quality of the network in real time. The robot helps to fix problems with the Internet connection, providing stable access to the network wherever students are.</a:t>
+            </a:r>
+            <a:endParaRPr lang="ru-KZ" dirty="0"/>
+          </a:p>
+        </p:txBody>
+      </p:sp>
+      <p:sp>
+        <p:nvSpPr>
+          <p:cNvPr id="19" name="TextBox 18">
+            <a:extLst>
+              <a:ext uri="{FF2B5EF4-FFF2-40B4-BE49-F238E27FC236}">
+                <a16:creationId xmlns:a16="http://schemas.microsoft.com/office/drawing/2014/main" id="{9DA3063B-87ED-5572-5498-B54CC2CDA678}"/>
+              </a:ext>
+            </a:extLst>
+          </p:cNvPr>
+          <p:cNvSpPr txBox="1"/>
+          <p:nvPr/>
+        </p:nvSpPr>
+        <p:spPr>
+          <a:xfrm>
+            <a:off x="164268" y="265780"/>
+            <a:ext cx="2790968" cy="369332"/>
+          </a:xfrm>
+          <a:prstGeom prst="rect">
+            <a:avLst/>
+          </a:prstGeom>
+          <a:solidFill>
+            <a:schemeClr val="tx1"/>
+          </a:solidFill>
+          <a:ln w="63500" cap="rnd">
+            <a:solidFill>
+              <a:schemeClr val="tx1"/>
+            </a:solidFill>
+          </a:ln>
+        </p:spPr>
+        <p:txBody>
+          <a:bodyPr wrap="square">
+            <a:spAutoFit/>
+          </a:bodyPr>
+          <a:lstStyle/>
+          <a:p>
+            <a:r>
+              <a:rPr lang="en" sz="1800" dirty="0">
+                <a:solidFill>
+                  <a:schemeClr val="bg1"/>
+                </a:solidFill>
+                <a:effectLst/>
+              </a:rPr>
+              <a:t>Description of the project:</a:t>
+            </a:r>
+            <a:endParaRPr lang="ru-KZ" sz="1800" dirty="0">
+              <a:solidFill>
+                <a:schemeClr val="bg1"/>
+              </a:solidFill>
+            </a:endParaRPr>
+          </a:p>
+        </p:txBody>
+      </p:sp>
+      <p:sp>
+        <p:nvSpPr>
+          <p:cNvPr id="7" name="TextBox 6">
+            <a:extLst>
+              <a:ext uri="{FF2B5EF4-FFF2-40B4-BE49-F238E27FC236}">
+                <a16:creationId xmlns:a16="http://schemas.microsoft.com/office/drawing/2014/main" id="{2C33D412-D48A-7982-24F5-929D00A52434}"/>
+              </a:ext>
+            </a:extLst>
+          </p:cNvPr>
+          <p:cNvSpPr txBox="1"/>
+          <p:nvPr/>
+        </p:nvSpPr>
+        <p:spPr>
+          <a:xfrm>
+            <a:off x="164267" y="3923613"/>
+            <a:ext cx="8674932" cy="954107"/>
+          </a:xfrm>
+          <a:prstGeom prst="rect">
+            <a:avLst/>
+          </a:prstGeom>
+          <a:noFill/>
+          <a:ln w="25400" cap="rnd">
+            <a:solidFill>
+              <a:schemeClr val="tx1"/>
+            </a:solidFill>
+          </a:ln>
+        </p:spPr>
+        <p:txBody>
+          <a:bodyPr wrap="square">
+            <a:spAutoFit/>
+          </a:bodyPr>
+          <a:lstStyle/>
+          <a:p>
+            <a:r>
+              <a:rPr lang="en" dirty="0">
+                <a:effectLst/>
+              </a:rPr>
+              <a:t>The </a:t>
+            </a:r>
+            <a:r>
+              <a:rPr lang="en" dirty="0" err="1">
+                <a:effectLst/>
+              </a:rPr>
+              <a:t>iBot</a:t>
+            </a:r>
+            <a:r>
+              <a:rPr lang="en" dirty="0">
+                <a:effectLst/>
+              </a:rPr>
+              <a:t> Network Communication Service is not just an innovative solution for improving Internet connectivity, but also a step into the future that will provide students and teachers with comfort, security and uninterrupted work in the learning process. Thanks to this project, SDU will become an example of an advanced technological university.</a:t>
+            </a:r>
+            <a:endParaRPr lang="ru-KZ" dirty="0"/>
+          </a:p>
+        </p:txBody>
+      </p:sp>
+      <p:sp>
+        <p:nvSpPr>
+          <p:cNvPr id="8" name="TextBox 7">
+            <a:extLst>
+              <a:ext uri="{FF2B5EF4-FFF2-40B4-BE49-F238E27FC236}">
+                <a16:creationId xmlns:a16="http://schemas.microsoft.com/office/drawing/2014/main" id="{28E192B5-F76C-73A2-783A-DF2E168EB690}"/>
+              </a:ext>
+            </a:extLst>
+          </p:cNvPr>
+          <p:cNvSpPr txBox="1"/>
+          <p:nvPr/>
+        </p:nvSpPr>
+        <p:spPr>
+          <a:xfrm>
+            <a:off x="164266" y="3433525"/>
+            <a:ext cx="1425995" cy="369332"/>
+          </a:xfrm>
+          <a:prstGeom prst="rect">
+            <a:avLst/>
+          </a:prstGeom>
+          <a:solidFill>
+            <a:schemeClr val="tx1"/>
+          </a:solidFill>
+          <a:ln w="63500" cap="rnd">
+            <a:solidFill>
+              <a:schemeClr val="tx1"/>
+            </a:solidFill>
+          </a:ln>
+        </p:spPr>
+        <p:txBody>
+          <a:bodyPr wrap="square">
+            <a:spAutoFit/>
+          </a:bodyPr>
+          <a:lstStyle/>
+          <a:p>
+            <a:r>
+              <a:rPr lang="en" sz="1800" dirty="0">
+                <a:solidFill>
+                  <a:schemeClr val="bg1"/>
+                </a:solidFill>
+                <a:effectLst/>
+              </a:rPr>
+              <a:t>Conclusion:</a:t>
+            </a:r>
+            <a:endParaRPr lang="ru-KZ" sz="1800" dirty="0">
+              <a:solidFill>
+                <a:schemeClr val="bg1"/>
+              </a:solidFill>
+            </a:endParaRPr>
+          </a:p>
+        </p:txBody>
+      </p:sp>
+      <p:sp>
+        <p:nvSpPr>
+          <p:cNvPr id="9" name="TextBox 8">
+            <a:extLst>
+              <a:ext uri="{FF2B5EF4-FFF2-40B4-BE49-F238E27FC236}">
+                <a16:creationId xmlns:a16="http://schemas.microsoft.com/office/drawing/2014/main" id="{5D92C8E4-5670-B2F9-5B57-3D8C2E0AAAC4}"/>
+              </a:ext>
+            </a:extLst>
+          </p:cNvPr>
+          <p:cNvSpPr txBox="1"/>
+          <p:nvPr/>
+        </p:nvSpPr>
+        <p:spPr>
+          <a:xfrm>
+            <a:off x="194778" y="2694861"/>
+            <a:ext cx="2449032" cy="307777"/>
+          </a:xfrm>
+          <a:prstGeom prst="rect">
+            <a:avLst/>
+          </a:prstGeom>
+          <a:noFill/>
+          <a:ln w="25400" cap="rnd">
+            <a:solidFill>
+              <a:schemeClr val="tx1"/>
+            </a:solidFill>
+          </a:ln>
+        </p:spPr>
+        <p:txBody>
+          <a:bodyPr wrap="square">
+            <a:spAutoFit/>
+          </a:bodyPr>
+          <a:lstStyle/>
+          <a:p>
+            <a:pPr algn="ctr"/>
+            <a:r>
+              <a:rPr lang="en" dirty="0">
+                <a:effectLst/>
+              </a:rPr>
+              <a:t>Pilot launch</a:t>
+            </a:r>
+            <a:endParaRPr lang="ru-KZ" dirty="0"/>
+          </a:p>
+        </p:txBody>
+      </p:sp>
+      <p:sp>
+        <p:nvSpPr>
+          <p:cNvPr id="10" name="TextBox 9">
+            <a:extLst>
+              <a:ext uri="{FF2B5EF4-FFF2-40B4-BE49-F238E27FC236}">
+                <a16:creationId xmlns:a16="http://schemas.microsoft.com/office/drawing/2014/main" id="{42575856-737A-5930-5F1B-D7FAB5CEBCC9}"/>
+              </a:ext>
+            </a:extLst>
+          </p:cNvPr>
+          <p:cNvSpPr txBox="1"/>
+          <p:nvPr/>
+        </p:nvSpPr>
+        <p:spPr>
+          <a:xfrm>
+            <a:off x="194778" y="2204773"/>
+            <a:ext cx="4509745" cy="369332"/>
+          </a:xfrm>
+          <a:prstGeom prst="rect">
+            <a:avLst/>
+          </a:prstGeom>
+          <a:solidFill>
+            <a:schemeClr val="tx1"/>
+          </a:solidFill>
+          <a:ln w="63500" cap="rnd">
+            <a:solidFill>
+              <a:schemeClr val="tx1"/>
+            </a:solidFill>
+          </a:ln>
+        </p:spPr>
+        <p:txBody>
+          <a:bodyPr wrap="square">
+            <a:spAutoFit/>
+          </a:bodyPr>
+          <a:lstStyle/>
+          <a:p>
+            <a:r>
+              <a:rPr lang="en" sz="1800" dirty="0">
+                <a:solidFill>
+                  <a:schemeClr val="bg1"/>
+                </a:solidFill>
+                <a:effectLst/>
+              </a:rPr>
+              <a:t>Implementation and development strategy:</a:t>
+            </a:r>
+            <a:endParaRPr lang="ru-KZ" sz="1800" dirty="0">
+              <a:solidFill>
+                <a:schemeClr val="bg1"/>
+              </a:solidFill>
+            </a:endParaRPr>
+          </a:p>
+        </p:txBody>
+      </p:sp>
+      <p:sp>
+        <p:nvSpPr>
+          <p:cNvPr id="12" name="TextBox 11">
+            <a:extLst>
+              <a:ext uri="{FF2B5EF4-FFF2-40B4-BE49-F238E27FC236}">
+                <a16:creationId xmlns:a16="http://schemas.microsoft.com/office/drawing/2014/main" id="{DB269348-F9ED-9247-C8BC-AE3887A60A51}"/>
+              </a:ext>
+            </a:extLst>
+          </p:cNvPr>
+          <p:cNvSpPr txBox="1"/>
+          <p:nvPr/>
+        </p:nvSpPr>
+        <p:spPr>
+          <a:xfrm>
+            <a:off x="2955237" y="2694861"/>
+            <a:ext cx="2449032" cy="307777"/>
+          </a:xfrm>
+          <a:prstGeom prst="rect">
+            <a:avLst/>
+          </a:prstGeom>
+          <a:noFill/>
+          <a:ln w="25400" cap="rnd">
+            <a:solidFill>
+              <a:schemeClr val="tx1"/>
+            </a:solidFill>
+          </a:ln>
+        </p:spPr>
+        <p:txBody>
+          <a:bodyPr wrap="square">
+            <a:spAutoFit/>
+          </a:bodyPr>
+          <a:lstStyle/>
+          <a:p>
+            <a:pPr algn="ctr"/>
+            <a:r>
+              <a:rPr lang="en" dirty="0">
+                <a:effectLst/>
+              </a:rPr>
+              <a:t>Scaling</a:t>
+            </a:r>
+            <a:endParaRPr lang="ru-KZ" dirty="0"/>
+          </a:p>
+        </p:txBody>
+      </p:sp>
+      <p:sp>
+        <p:nvSpPr>
+          <p:cNvPr id="14" name="TextBox 13">
+            <a:extLst>
+              <a:ext uri="{FF2B5EF4-FFF2-40B4-BE49-F238E27FC236}">
+                <a16:creationId xmlns:a16="http://schemas.microsoft.com/office/drawing/2014/main" id="{7C842A6B-5377-A48B-FD75-5D64C3769092}"/>
+              </a:ext>
+            </a:extLst>
+          </p:cNvPr>
+          <p:cNvSpPr txBox="1"/>
+          <p:nvPr/>
+        </p:nvSpPr>
+        <p:spPr>
+          <a:xfrm>
+            <a:off x="5638800" y="2694861"/>
+            <a:ext cx="3200399" cy="307777"/>
+          </a:xfrm>
+          <a:prstGeom prst="rect">
+            <a:avLst/>
+          </a:prstGeom>
+          <a:noFill/>
+          <a:ln w="25400" cap="rnd">
+            <a:solidFill>
+              <a:schemeClr val="tx1"/>
+            </a:solidFill>
+          </a:ln>
+        </p:spPr>
+        <p:txBody>
+          <a:bodyPr wrap="square">
+            <a:spAutoFit/>
+          </a:bodyPr>
+          <a:lstStyle/>
+          <a:p>
+            <a:r>
+              <a:rPr lang="en" dirty="0">
+                <a:effectLst/>
+              </a:rPr>
+              <a:t>Integration with the university network</a:t>
+            </a:r>
+            <a:endParaRPr lang="ru-KZ" dirty="0"/>
+          </a:p>
+        </p:txBody>
+      </p:sp>
+    </p:spTree>
+    <p:extLst>
+      <p:ext uri="{BB962C8B-B14F-4D97-AF65-F5344CB8AC3E}">
+        <p14:creationId xmlns:p14="http://schemas.microsoft.com/office/powerpoint/2010/main" val="2793855171"/>
+      </p:ext>
+    </p:extLst>
+  </p:cSld>
+  <p:clrMapOvr>
+    <a:masterClrMapping/>
+  </p:clrMapOvr>
+</p:sld>
+</file>
+
+<file path=ppt/slides/slide12.xml><?xml version="1.0" encoding="utf-8"?>
+<p:sld xmlns:a="http://schemas.openxmlformats.org/drawingml/2006/main" xmlns:r="http://schemas.openxmlformats.org/officeDocument/2006/relationships" xmlns:p="http://schemas.openxmlformats.org/presentationml/2006/main">
+  <p:cSld>
+    <p:spTree>
+      <p:nvGrpSpPr>
         <p:cNvPr id="1" name="Shape 53"/>
         <p:cNvGrpSpPr/>
         <p:nvPr/>
@@ -9618,6 +10363,694 @@
           <a:chExt cx="0" cy="0"/>
         </a:xfrm>
       </p:grpSpPr>
+      <p:sp>
+        <p:nvSpPr>
+          <p:cNvPr id="4" name="TextBox 3">
+            <a:extLst>
+              <a:ext uri="{FF2B5EF4-FFF2-40B4-BE49-F238E27FC236}">
+                <a16:creationId xmlns:a16="http://schemas.microsoft.com/office/drawing/2014/main" id="{4448CABF-D69B-40BE-D616-76ACDA62364C}"/>
+              </a:ext>
+            </a:extLst>
+          </p:cNvPr>
+          <p:cNvSpPr txBox="1"/>
+          <p:nvPr/>
+        </p:nvSpPr>
+        <p:spPr>
+          <a:xfrm>
+            <a:off x="262883" y="274219"/>
+            <a:ext cx="2547938" cy="369332"/>
+          </a:xfrm>
+          <a:prstGeom prst="rect">
+            <a:avLst/>
+          </a:prstGeom>
+          <a:solidFill>
+            <a:schemeClr val="tx1"/>
+          </a:solidFill>
+          <a:ln w="63500" cap="rnd">
+            <a:solidFill>
+              <a:schemeClr val="tx1"/>
+            </a:solidFill>
+          </a:ln>
+        </p:spPr>
+        <p:txBody>
+          <a:bodyPr wrap="square">
+            <a:spAutoFit/>
+          </a:bodyPr>
+          <a:lstStyle/>
+          <a:p>
+            <a:pPr algn="r"/>
+            <a:r>
+              <a:rPr lang="en-US" sz="1800" dirty="0">
+                <a:solidFill>
+                  <a:schemeClr val="bg1"/>
+                </a:solidFill>
+              </a:rPr>
+              <a:t>Scenario 1 </a:t>
+            </a:r>
+          </a:p>
+        </p:txBody>
+      </p:sp>
+      <p:sp>
+        <p:nvSpPr>
+          <p:cNvPr id="6" name="TextBox 5">
+            <a:extLst>
+              <a:ext uri="{FF2B5EF4-FFF2-40B4-BE49-F238E27FC236}">
+                <a16:creationId xmlns:a16="http://schemas.microsoft.com/office/drawing/2014/main" id="{C47D29D7-2E29-0045-D91C-B21F6231CEE7}"/>
+              </a:ext>
+            </a:extLst>
+          </p:cNvPr>
+          <p:cNvSpPr txBox="1"/>
+          <p:nvPr/>
+        </p:nvSpPr>
+        <p:spPr>
+          <a:xfrm>
+            <a:off x="2948418" y="274219"/>
+            <a:ext cx="6034943" cy="369332"/>
+          </a:xfrm>
+          <a:prstGeom prst="rect">
+            <a:avLst/>
+          </a:prstGeom>
+          <a:solidFill>
+            <a:schemeClr val="dk1">
+              <a:alpha val="50000"/>
+            </a:schemeClr>
+          </a:solidFill>
+          <a:ln w="63500">
+            <a:solidFill>
+              <a:schemeClr val="tx1">
+                <a:alpha val="27184"/>
+              </a:schemeClr>
+            </a:solidFill>
+          </a:ln>
+        </p:spPr>
+        <p:style>
+          <a:lnRef idx="0">
+            <a:scrgbClr r="0" g="0" b="0"/>
+          </a:lnRef>
+          <a:fillRef idx="0">
+            <a:scrgbClr r="0" g="0" b="0"/>
+          </a:fillRef>
+          <a:effectRef idx="0">
+            <a:scrgbClr r="0" g="0" b="0"/>
+          </a:effectRef>
+          <a:fontRef idx="minor">
+            <a:schemeClr val="lt1"/>
+          </a:fontRef>
+        </p:style>
+        <p:txBody>
+          <a:bodyPr wrap="square">
+            <a:spAutoFit/>
+          </a:bodyPr>
+          <a:lstStyle/>
+          <a:p>
+            <a:r>
+              <a:rPr lang="en-US" sz="1800" dirty="0">
+                <a:solidFill>
+                  <a:schemeClr val="bg1"/>
+                </a:solidFill>
+              </a:rPr>
+              <a:t>Internet Issues During an Online Lecture</a:t>
+            </a:r>
+          </a:p>
+        </p:txBody>
+      </p:sp>
+      <p:sp>
+        <p:nvSpPr>
+          <p:cNvPr id="7" name="TextBox 6">
+            <a:extLst>
+              <a:ext uri="{FF2B5EF4-FFF2-40B4-BE49-F238E27FC236}">
+                <a16:creationId xmlns:a16="http://schemas.microsoft.com/office/drawing/2014/main" id="{31A4E67D-7DEA-B194-C496-C4B4612091A7}"/>
+              </a:ext>
+            </a:extLst>
+          </p:cNvPr>
+          <p:cNvSpPr txBox="1"/>
+          <p:nvPr/>
+        </p:nvSpPr>
+        <p:spPr>
+          <a:xfrm>
+            <a:off x="0" y="896975"/>
+            <a:ext cx="9022856" cy="3783856"/>
+          </a:xfrm>
+          <a:prstGeom prst="rect">
+            <a:avLst/>
+          </a:prstGeom>
+          <a:noFill/>
+        </p:spPr>
+        <p:txBody>
+          <a:bodyPr wrap="square">
+            <a:spAutoFit/>
+          </a:bodyPr>
+          <a:lstStyle/>
+          <a:p>
+            <a:pPr marL="226060" indent="-6350">
+              <a:lnSpc>
+                <a:spcPct val="103000"/>
+              </a:lnSpc>
+              <a:spcAft>
+                <a:spcPts val="1335"/>
+              </a:spcAft>
+            </a:pPr>
+            <a:r>
+              <a:rPr lang="ru-KZ" sz="2000" dirty="0">
+                <a:solidFill>
+                  <a:srgbClr val="000000"/>
+                </a:solidFill>
+                <a:effectLst/>
+                <a:latin typeface="Times New Roman" panose="02020603050405020304" pitchFamily="18" charset="0"/>
+                <a:ea typeface="Times New Roman" panose="02020603050405020304" pitchFamily="18" charset="0"/>
+              </a:rPr>
+              <a:t>Context: </a:t>
+            </a:r>
+          </a:p>
+          <a:p>
+            <a:pPr marL="226060" indent="-6350">
+              <a:lnSpc>
+                <a:spcPct val="103000"/>
+              </a:lnSpc>
+              <a:spcAft>
+                <a:spcPts val="1335"/>
+              </a:spcAft>
+            </a:pPr>
+            <a:r>
+              <a:rPr lang="ru-KZ" sz="1200" dirty="0">
+                <a:solidFill>
+                  <a:srgbClr val="000000"/>
+                </a:solidFill>
+                <a:effectLst/>
+                <a:latin typeface="Times New Roman" panose="02020603050405020304" pitchFamily="18" charset="0"/>
+                <a:ea typeface="Times New Roman" panose="02020603050405020304" pitchFamily="18" charset="0"/>
+              </a:rPr>
+              <a:t>A student is in the H-block classroom for an online history lecture. She notices that the internet keeps dropping out, making it difficult for her to participate.</a:t>
+            </a:r>
+          </a:p>
+          <a:p>
+            <a:pPr marL="226060" indent="-6350">
+              <a:lnSpc>
+                <a:spcPct val="103000"/>
+              </a:lnSpc>
+              <a:spcAft>
+                <a:spcPts val="1335"/>
+              </a:spcAft>
+            </a:pPr>
+            <a:r>
+              <a:rPr lang="ru-KZ" sz="2000" dirty="0">
+                <a:solidFill>
+                  <a:srgbClr val="000000"/>
+                </a:solidFill>
+                <a:effectLst/>
+                <a:latin typeface="Times New Roman" panose="02020603050405020304" pitchFamily="18" charset="0"/>
+                <a:ea typeface="Times New Roman" panose="02020603050405020304" pitchFamily="18" charset="0"/>
+              </a:rPr>
+              <a:t>Interaction:</a:t>
+            </a:r>
+          </a:p>
+          <a:p>
+            <a:pPr marL="226060" indent="-6350">
+              <a:lnSpc>
+                <a:spcPct val="103000"/>
+              </a:lnSpc>
+              <a:spcAft>
+                <a:spcPts val="1335"/>
+              </a:spcAft>
+            </a:pPr>
+            <a:r>
+              <a:rPr lang="ru-KZ" sz="1200" dirty="0">
+                <a:solidFill>
+                  <a:srgbClr val="000000"/>
+                </a:solidFill>
+                <a:effectLst/>
+                <a:latin typeface="Times New Roman" panose="02020603050405020304" pitchFamily="18" charset="0"/>
+                <a:ea typeface="Times New Roman" panose="02020603050405020304" pitchFamily="18" charset="0"/>
+              </a:rPr>
+              <a:t>-- The IBot starts scanning the classroom, driving between the rows. The screen displays information about the number of students and the signal strength.</a:t>
+            </a:r>
+          </a:p>
+          <a:p>
+            <a:pPr marL="226060" indent="-6350">
+              <a:lnSpc>
+                <a:spcPct val="103000"/>
+              </a:lnSpc>
+              <a:spcAft>
+                <a:spcPts val="1335"/>
+              </a:spcAft>
+            </a:pPr>
+            <a:r>
+              <a:rPr lang="ru-KZ" sz="1200" dirty="0">
+                <a:solidFill>
+                  <a:srgbClr val="000000"/>
+                </a:solidFill>
+                <a:effectLst/>
+                <a:latin typeface="Times New Roman" panose="02020603050405020304" pitchFamily="18" charset="0"/>
+                <a:ea typeface="Times New Roman" panose="02020603050405020304" pitchFamily="18" charset="0"/>
+              </a:rPr>
+              <a:t>-- While scanning, the IBot notices that there are 30 students in the classroom and the Wi-Fi signal strength is 2 out of 5.</a:t>
+            </a:r>
+          </a:p>
+          <a:p>
+            <a:pPr marL="226060" indent="-6350">
+              <a:lnSpc>
+                <a:spcPct val="103000"/>
+              </a:lnSpc>
+              <a:spcAft>
+                <a:spcPts val="1335"/>
+              </a:spcAft>
+            </a:pPr>
+            <a:r>
+              <a:rPr lang="ru-KZ" sz="2000" dirty="0">
+                <a:solidFill>
+                  <a:srgbClr val="000000"/>
+                </a:solidFill>
+                <a:effectLst/>
+                <a:latin typeface="Times New Roman" panose="02020603050405020304" pitchFamily="18" charset="0"/>
+                <a:ea typeface="Times New Roman" panose="02020603050405020304" pitchFamily="18" charset="0"/>
+              </a:rPr>
+              <a:t>Result:</a:t>
+            </a:r>
+          </a:p>
+          <a:p>
+            <a:pPr marL="226060" indent="-6350">
+              <a:lnSpc>
+                <a:spcPct val="103000"/>
+              </a:lnSpc>
+              <a:spcAft>
+                <a:spcPts val="1335"/>
+              </a:spcAft>
+            </a:pPr>
+            <a:r>
+              <a:rPr lang="ru-KZ" sz="1200" dirty="0">
+                <a:solidFill>
+                  <a:srgbClr val="000000"/>
+                </a:solidFill>
+                <a:effectLst/>
+                <a:latin typeface="Times New Roman" panose="02020603050405020304" pitchFamily="18" charset="0"/>
+                <a:ea typeface="Times New Roman" panose="02020603050405020304" pitchFamily="18" charset="0"/>
+              </a:rPr>
+              <a:t>-- The IBot stops in the center of the classroom, automatically activating the signal booster.</a:t>
+            </a:r>
+          </a:p>
+          <a:p>
+            <a:pPr marL="226060" indent="-6350">
+              <a:lnSpc>
+                <a:spcPct val="103000"/>
+              </a:lnSpc>
+              <a:spcAft>
+                <a:spcPts val="1335"/>
+              </a:spcAft>
+            </a:pPr>
+            <a:r>
+              <a:rPr lang="ru-KZ" sz="1200" dirty="0">
+                <a:solidFill>
+                  <a:srgbClr val="000000"/>
+                </a:solidFill>
+                <a:effectLst/>
+                <a:latin typeface="Times New Roman" panose="02020603050405020304" pitchFamily="18" charset="0"/>
+                <a:ea typeface="Times New Roman" panose="02020603050405020304" pitchFamily="18" charset="0"/>
+              </a:rPr>
+              <a:t>-- The student and her classmates notice that the internet has become more stable. They can listen to the lecture and ask questions without worrying about disconnections.</a:t>
+            </a:r>
+          </a:p>
+        </p:txBody>
+      </p:sp>
+    </p:spTree>
+    <p:extLst>
+      <p:ext uri="{BB962C8B-B14F-4D97-AF65-F5344CB8AC3E}">
+        <p14:creationId xmlns:p14="http://schemas.microsoft.com/office/powerpoint/2010/main" val="2251309915"/>
+      </p:ext>
+    </p:extLst>
+  </p:cSld>
+  <p:clrMapOvr>
+    <a:masterClrMapping/>
+  </p:clrMapOvr>
+</p:sld>
+</file>
+
+<file path=ppt/slides/slide8.xml><?xml version="1.0" encoding="utf-8"?>
+<p:sld xmlns:a="http://schemas.openxmlformats.org/drawingml/2006/main" xmlns:r="http://schemas.openxmlformats.org/officeDocument/2006/relationships" xmlns:p="http://schemas.openxmlformats.org/presentationml/2006/main">
+  <p:cSld>
+    <p:spTree>
+      <p:nvGrpSpPr>
+        <p:cNvPr id="1" name=""/>
+        <p:cNvGrpSpPr/>
+        <p:nvPr/>
+      </p:nvGrpSpPr>
+      <p:grpSpPr>
+        <a:xfrm>
+          <a:off x="0" y="0"/>
+          <a:ext cx="0" cy="0"/>
+          <a:chOff x="0" y="0"/>
+          <a:chExt cx="0" cy="0"/>
+        </a:xfrm>
+      </p:grpSpPr>
+      <p:sp>
+        <p:nvSpPr>
+          <p:cNvPr id="4" name="TextBox 3">
+            <a:extLst>
+              <a:ext uri="{FF2B5EF4-FFF2-40B4-BE49-F238E27FC236}">
+                <a16:creationId xmlns:a16="http://schemas.microsoft.com/office/drawing/2014/main" id="{4448CABF-D69B-40BE-D616-76ACDA62364C}"/>
+              </a:ext>
+            </a:extLst>
+          </p:cNvPr>
+          <p:cNvSpPr txBox="1"/>
+          <p:nvPr/>
+        </p:nvSpPr>
+        <p:spPr>
+          <a:xfrm>
+            <a:off x="262883" y="274219"/>
+            <a:ext cx="2547938" cy="369332"/>
+          </a:xfrm>
+          <a:prstGeom prst="rect">
+            <a:avLst/>
+          </a:prstGeom>
+          <a:solidFill>
+            <a:schemeClr val="tx1"/>
+          </a:solidFill>
+          <a:ln w="63500" cap="rnd">
+            <a:solidFill>
+              <a:schemeClr val="tx1"/>
+            </a:solidFill>
+          </a:ln>
+        </p:spPr>
+        <p:txBody>
+          <a:bodyPr wrap="square">
+            <a:spAutoFit/>
+          </a:bodyPr>
+          <a:lstStyle/>
+          <a:p>
+            <a:pPr algn="r"/>
+            <a:r>
+              <a:rPr lang="en-US" sz="1800" dirty="0">
+                <a:solidFill>
+                  <a:schemeClr val="bg1"/>
+                </a:solidFill>
+              </a:rPr>
+              <a:t>Scenario 2 </a:t>
+            </a:r>
+          </a:p>
+        </p:txBody>
+      </p:sp>
+      <p:sp>
+        <p:nvSpPr>
+          <p:cNvPr id="6" name="TextBox 5">
+            <a:extLst>
+              <a:ext uri="{FF2B5EF4-FFF2-40B4-BE49-F238E27FC236}">
+                <a16:creationId xmlns:a16="http://schemas.microsoft.com/office/drawing/2014/main" id="{C47D29D7-2E29-0045-D91C-B21F6231CEE7}"/>
+              </a:ext>
+            </a:extLst>
+          </p:cNvPr>
+          <p:cNvSpPr txBox="1"/>
+          <p:nvPr/>
+        </p:nvSpPr>
+        <p:spPr>
+          <a:xfrm>
+            <a:off x="2948418" y="274219"/>
+            <a:ext cx="6034943" cy="369332"/>
+          </a:xfrm>
+          <a:prstGeom prst="rect">
+            <a:avLst/>
+          </a:prstGeom>
+          <a:solidFill>
+            <a:schemeClr val="dk1">
+              <a:alpha val="50000"/>
+            </a:schemeClr>
+          </a:solidFill>
+          <a:ln w="63500">
+            <a:solidFill>
+              <a:schemeClr val="tx1">
+                <a:alpha val="27184"/>
+              </a:schemeClr>
+            </a:solidFill>
+          </a:ln>
+        </p:spPr>
+        <p:style>
+          <a:lnRef idx="0">
+            <a:scrgbClr r="0" g="0" b="0"/>
+          </a:lnRef>
+          <a:fillRef idx="0">
+            <a:scrgbClr r="0" g="0" b="0"/>
+          </a:fillRef>
+          <a:effectRef idx="0">
+            <a:scrgbClr r="0" g="0" b="0"/>
+          </a:effectRef>
+          <a:fontRef idx="minor">
+            <a:schemeClr val="lt1"/>
+          </a:fontRef>
+        </p:style>
+        <p:txBody>
+          <a:bodyPr wrap="square">
+            <a:spAutoFit/>
+          </a:bodyPr>
+          <a:lstStyle/>
+          <a:p>
+            <a:r>
+              <a:rPr lang="en-US" sz="1800" dirty="0">
+                <a:solidFill>
+                  <a:schemeClr val="bg1"/>
+                </a:solidFill>
+              </a:rPr>
+              <a:t>Internet Issues During an Online Lecture</a:t>
+            </a:r>
+          </a:p>
+        </p:txBody>
+      </p:sp>
+      <p:sp>
+        <p:nvSpPr>
+          <p:cNvPr id="9" name="TextBox 8">
+            <a:extLst>
+              <a:ext uri="{FF2B5EF4-FFF2-40B4-BE49-F238E27FC236}">
+                <a16:creationId xmlns:a16="http://schemas.microsoft.com/office/drawing/2014/main" id="{B8EF9215-3226-1A1C-C1A7-719938630B2D}"/>
+              </a:ext>
+            </a:extLst>
+          </p:cNvPr>
+          <p:cNvSpPr txBox="1"/>
+          <p:nvPr/>
+        </p:nvSpPr>
+        <p:spPr>
+          <a:xfrm>
+            <a:off x="0" y="738205"/>
+            <a:ext cx="8822722" cy="3982822"/>
+          </a:xfrm>
+          <a:prstGeom prst="rect">
+            <a:avLst/>
+          </a:prstGeom>
+          <a:noFill/>
+        </p:spPr>
+        <p:txBody>
+          <a:bodyPr wrap="square">
+            <a:spAutoFit/>
+          </a:bodyPr>
+          <a:lstStyle/>
+          <a:p>
+            <a:pPr marL="226060" indent="-6350">
+              <a:spcAft>
+                <a:spcPts val="1335"/>
+              </a:spcAft>
+            </a:pPr>
+            <a:r>
+              <a:rPr lang="ru-KZ" sz="2000" dirty="0">
+                <a:solidFill>
+                  <a:srgbClr val="000000"/>
+                </a:solidFill>
+                <a:effectLst/>
+                <a:latin typeface="Times New Roman" panose="02020603050405020304" pitchFamily="18" charset="0"/>
+                <a:ea typeface="Times New Roman" panose="02020603050405020304" pitchFamily="18" charset="0"/>
+              </a:rPr>
+              <a:t>Context: </a:t>
+            </a:r>
+          </a:p>
+          <a:p>
+            <a:pPr marL="226060" indent="-6350">
+              <a:lnSpc>
+                <a:spcPct val="107000"/>
+              </a:lnSpc>
+              <a:spcAft>
+                <a:spcPts val="1335"/>
+              </a:spcAft>
+            </a:pPr>
+            <a:r>
+              <a:rPr lang="ru-KZ" sz="1200" dirty="0">
+                <a:solidFill>
+                  <a:srgbClr val="000000"/>
+                </a:solidFill>
+                <a:effectLst/>
+                <a:latin typeface="Times New Roman" panose="02020603050405020304" pitchFamily="18" charset="0"/>
+                <a:ea typeface="Times New Roman" panose="02020603050405020304" pitchFamily="18" charset="0"/>
+              </a:rPr>
+              <a:t>A student is at an open house in the central part of campus. He tries to connect to the internet, but the network is congested and it is difficult to access the information he needs.</a:t>
+            </a:r>
+          </a:p>
+          <a:p>
+            <a:pPr marL="226060" indent="-6350">
+              <a:spcAft>
+                <a:spcPts val="1335"/>
+              </a:spcAft>
+            </a:pPr>
+            <a:r>
+              <a:rPr lang="ru-KZ" sz="2000" dirty="0">
+                <a:solidFill>
+                  <a:srgbClr val="000000"/>
+                </a:solidFill>
+                <a:effectLst/>
+                <a:latin typeface="Times New Roman" panose="02020603050405020304" pitchFamily="18" charset="0"/>
+                <a:ea typeface="Times New Roman" panose="02020603050405020304" pitchFamily="18" charset="0"/>
+              </a:rPr>
+              <a:t>Interaction:</a:t>
+            </a:r>
+          </a:p>
+          <a:p>
+            <a:pPr marL="226060" indent="-6350">
+              <a:lnSpc>
+                <a:spcPct val="107000"/>
+              </a:lnSpc>
+              <a:spcAft>
+                <a:spcPts val="1335"/>
+              </a:spcAft>
+            </a:pPr>
+            <a:r>
+              <a:rPr lang="ru-KZ" sz="1200" dirty="0">
+                <a:solidFill>
+                  <a:srgbClr val="000000"/>
+                </a:solidFill>
+                <a:effectLst/>
+                <a:latin typeface="Times New Roman" panose="02020603050405020304" pitchFamily="18" charset="0"/>
+                <a:ea typeface="Times New Roman" panose="02020603050405020304" pitchFamily="18" charset="0"/>
+              </a:rPr>
+              <a:t>-- IBot begins scanning the event area, driving between groups of students. Information about the number of people and the signal strength is displayed on the screen.</a:t>
+            </a:r>
+          </a:p>
+          <a:p>
+            <a:pPr marL="226060" indent="-6350">
+              <a:lnSpc>
+                <a:spcPct val="107000"/>
+              </a:lnSpc>
+              <a:spcAft>
+                <a:spcPts val="1335"/>
+              </a:spcAft>
+            </a:pPr>
+            <a:r>
+              <a:rPr lang="ru-KZ" sz="1200" dirty="0">
+                <a:solidFill>
+                  <a:srgbClr val="000000"/>
+                </a:solidFill>
+                <a:effectLst/>
+                <a:latin typeface="Times New Roman" panose="02020603050405020304" pitchFamily="18" charset="0"/>
+                <a:ea typeface="Times New Roman" panose="02020603050405020304" pitchFamily="18" charset="0"/>
+              </a:rPr>
+              <a:t>-- While scanning, IBot notices that there are about 100 students and visitors in the area, and the Wi-Fi signal strength is 1 out of 5.</a:t>
+            </a:r>
+          </a:p>
+          <a:p>
+            <a:pPr marL="226060" indent="-6350">
+              <a:spcAft>
+                <a:spcPts val="1335"/>
+              </a:spcAft>
+            </a:pPr>
+            <a:r>
+              <a:rPr lang="ru-KZ" sz="2000" dirty="0">
+                <a:solidFill>
+                  <a:srgbClr val="000000"/>
+                </a:solidFill>
+                <a:effectLst/>
+                <a:latin typeface="Times New Roman" panose="02020603050405020304" pitchFamily="18" charset="0"/>
+                <a:ea typeface="Times New Roman" panose="02020603050405020304" pitchFamily="18" charset="0"/>
+              </a:rPr>
+              <a:t>Result:</a:t>
+            </a:r>
+          </a:p>
+          <a:p>
+            <a:pPr marL="226060" indent="-6350">
+              <a:lnSpc>
+                <a:spcPct val="107000"/>
+              </a:lnSpc>
+              <a:spcAft>
+                <a:spcPts val="1335"/>
+              </a:spcAft>
+            </a:pPr>
+            <a:r>
+              <a:rPr lang="ru-KZ" sz="1200" dirty="0">
+                <a:solidFill>
+                  <a:srgbClr val="000000"/>
+                </a:solidFill>
+                <a:effectLst/>
+                <a:latin typeface="Times New Roman" panose="02020603050405020304" pitchFamily="18" charset="0"/>
+                <a:ea typeface="Times New Roman" panose="02020603050405020304" pitchFamily="18" charset="0"/>
+              </a:rPr>
+              <a:t>-- IBot stops in the middle of the crowd and automatically activates the signal booster.</a:t>
+            </a:r>
+          </a:p>
+          <a:p>
+            <a:pPr marL="226060" indent="-6350">
+              <a:lnSpc>
+                <a:spcPct val="107000"/>
+              </a:lnSpc>
+              <a:spcAft>
+                <a:spcPts val="1335"/>
+              </a:spcAft>
+            </a:pPr>
+            <a:r>
+              <a:rPr lang="ru-KZ" sz="1200" dirty="0">
+                <a:solidFill>
+                  <a:srgbClr val="000000"/>
+                </a:solidFill>
+                <a:effectLst/>
+                <a:latin typeface="Times New Roman" panose="02020603050405020304" pitchFamily="18" charset="0"/>
+                <a:ea typeface="Times New Roman" panose="02020603050405020304" pitchFamily="18" charset="0"/>
+              </a:rPr>
+              <a:t>-- Visitors and students notice that the internet is more stable.</a:t>
+            </a:r>
+          </a:p>
+          <a:p>
+            <a:pPr marL="226060" indent="-6350">
+              <a:lnSpc>
+                <a:spcPct val="107000"/>
+              </a:lnSpc>
+              <a:spcAft>
+                <a:spcPts val="1335"/>
+              </a:spcAft>
+            </a:pPr>
+            <a:r>
+              <a:rPr lang="ru-KZ" sz="1200" dirty="0">
+                <a:solidFill>
+                  <a:srgbClr val="000000"/>
+                </a:solidFill>
+                <a:effectLst/>
+                <a:latin typeface="Times New Roman" panose="02020603050405020304" pitchFamily="18" charset="0"/>
+                <a:ea typeface="Times New Roman" panose="02020603050405020304" pitchFamily="18" charset="0"/>
+              </a:rPr>
+              <a:t>-- They can now access online resources, share their experiences on social media, and interact with the event organizers.</a:t>
+            </a:r>
+          </a:p>
+        </p:txBody>
+      </p:sp>
+    </p:spTree>
+    <p:extLst>
+      <p:ext uri="{BB962C8B-B14F-4D97-AF65-F5344CB8AC3E}">
+        <p14:creationId xmlns:p14="http://schemas.microsoft.com/office/powerpoint/2010/main" val="3036151730"/>
+      </p:ext>
+    </p:extLst>
+  </p:cSld>
+  <p:clrMapOvr>
+    <a:masterClrMapping/>
+  </p:clrMapOvr>
+</p:sld>
+</file>
+
+<file path=ppt/slides/slide9.xml><?xml version="1.0" encoding="utf-8"?>
+<p:sld xmlns:a="http://schemas.openxmlformats.org/drawingml/2006/main" xmlns:r="http://schemas.openxmlformats.org/officeDocument/2006/relationships" xmlns:p="http://schemas.openxmlformats.org/presentationml/2006/main">
+  <p:cSld>
+    <p:spTree>
+      <p:nvGrpSpPr>
+        <p:cNvPr id="1" name=""/>
+        <p:cNvGrpSpPr/>
+        <p:nvPr/>
+      </p:nvGrpSpPr>
+      <p:grpSpPr>
+        <a:xfrm>
+          <a:off x="0" y="0"/>
+          <a:ext cx="0" cy="0"/>
+          <a:chOff x="0" y="0"/>
+          <a:chExt cx="0" cy="0"/>
+        </a:xfrm>
+      </p:grpSpPr>
       <p:pic>
         <p:nvPicPr>
           <p:cNvPr id="2" name="Рисунок 1">
@@ -9892,749 +11325,6 @@
     <p:extLst>
       <p:ext uri="{BB962C8B-B14F-4D97-AF65-F5344CB8AC3E}">
         <p14:creationId xmlns:p14="http://schemas.microsoft.com/office/powerpoint/2010/main" val="1829160259"/>
-      </p:ext>
-    </p:extLst>
-  </p:cSld>
-  <p:clrMapOvr>
-    <a:masterClrMapping/>
-  </p:clrMapOvr>
-</p:sld>
-</file>
-
-<file path=ppt/slides/slide8.xml><?xml version="1.0" encoding="utf-8"?>
-<p:sld xmlns:a="http://schemas.openxmlformats.org/drawingml/2006/main" xmlns:r="http://schemas.openxmlformats.org/officeDocument/2006/relationships" xmlns:p="http://schemas.openxmlformats.org/presentationml/2006/main">
-  <p:cSld>
-    <p:spTree>
-      <p:nvGrpSpPr>
-        <p:cNvPr id="1" name=""/>
-        <p:cNvGrpSpPr/>
-        <p:nvPr/>
-      </p:nvGrpSpPr>
-      <p:grpSpPr>
-        <a:xfrm>
-          <a:off x="0" y="0"/>
-          <a:ext cx="0" cy="0"/>
-          <a:chOff x="0" y="0"/>
-          <a:chExt cx="0" cy="0"/>
-        </a:xfrm>
-      </p:grpSpPr>
-      <p:pic>
-        <p:nvPicPr>
-          <p:cNvPr id="3" name="Рисунок 2">
-            <a:extLst>
-              <a:ext uri="{FF2B5EF4-FFF2-40B4-BE49-F238E27FC236}">
-                <a16:creationId xmlns:a16="http://schemas.microsoft.com/office/drawing/2014/main" id="{0A43035F-2F9B-C976-F413-33742C425C53}"/>
-              </a:ext>
-            </a:extLst>
-          </p:cNvPr>
-          <p:cNvPicPr>
-            <a:picLocks noChangeAspect="1"/>
-          </p:cNvPicPr>
-          <p:nvPr/>
-        </p:nvPicPr>
-        <p:blipFill>
-          <a:blip r:embed="rId2" cstate="print">
-            <a:extLst>
-              <a:ext uri="{28A0092B-C50C-407E-A947-70E740481C1C}">
-                <a14:useLocalDpi xmlns:a14="http://schemas.microsoft.com/office/drawing/2010/main" val="0"/>
-              </a:ext>
-            </a:extLst>
-          </a:blip>
-          <a:stretch>
-            <a:fillRect/>
-          </a:stretch>
-        </p:blipFill>
-        <p:spPr>
-          <a:xfrm>
-            <a:off x="6374188" y="2769868"/>
-            <a:ext cx="2405380" cy="1879119"/>
-          </a:xfrm>
-          <a:prstGeom prst="rect">
-            <a:avLst/>
-          </a:prstGeom>
-        </p:spPr>
-      </p:pic>
-      <p:pic>
-        <p:nvPicPr>
-          <p:cNvPr id="11" name="Рисунок 10">
-            <a:extLst>
-              <a:ext uri="{FF2B5EF4-FFF2-40B4-BE49-F238E27FC236}">
-                <a16:creationId xmlns:a16="http://schemas.microsoft.com/office/drawing/2014/main" id="{19E72B60-003A-1A69-8063-1E6367ECB6CB}"/>
-              </a:ext>
-            </a:extLst>
-          </p:cNvPr>
-          <p:cNvPicPr>
-            <a:picLocks noChangeAspect="1"/>
-          </p:cNvPicPr>
-          <p:nvPr/>
-        </p:nvPicPr>
-        <p:blipFill>
-          <a:blip r:embed="rId3">
-            <a:extLst>
-              <a:ext uri="{28A0092B-C50C-407E-A947-70E740481C1C}">
-                <a14:useLocalDpi xmlns:a14="http://schemas.microsoft.com/office/drawing/2010/main" val="0"/>
-              </a:ext>
-            </a:extLst>
-          </a:blip>
-          <a:stretch>
-            <a:fillRect/>
-          </a:stretch>
-        </p:blipFill>
-        <p:spPr>
-          <a:xfrm>
-            <a:off x="6374188" y="631879"/>
-            <a:ext cx="2405380" cy="1830705"/>
-          </a:xfrm>
-          <a:prstGeom prst="rect">
-            <a:avLst/>
-          </a:prstGeom>
-        </p:spPr>
-      </p:pic>
-      <p:pic>
-        <p:nvPicPr>
-          <p:cNvPr id="15" name="Рисунок 14">
-            <a:extLst>
-              <a:ext uri="{FF2B5EF4-FFF2-40B4-BE49-F238E27FC236}">
-                <a16:creationId xmlns:a16="http://schemas.microsoft.com/office/drawing/2014/main" id="{10FCFC51-81EE-E5A0-84AC-78E95B628967}"/>
-              </a:ext>
-            </a:extLst>
-          </p:cNvPr>
-          <p:cNvPicPr>
-            <a:picLocks noChangeAspect="1"/>
-          </p:cNvPicPr>
-          <p:nvPr/>
-        </p:nvPicPr>
-        <p:blipFill>
-          <a:blip r:embed="rId4" cstate="print">
-            <a:extLst>
-              <a:ext uri="{28A0092B-C50C-407E-A947-70E740481C1C}">
-                <a14:useLocalDpi xmlns:a14="http://schemas.microsoft.com/office/drawing/2010/main" val="0"/>
-              </a:ext>
-            </a:extLst>
-          </a:blip>
-          <a:stretch>
-            <a:fillRect/>
-          </a:stretch>
-        </p:blipFill>
-        <p:spPr>
-          <a:xfrm>
-            <a:off x="3595107" y="631878"/>
-            <a:ext cx="2435176" cy="1830705"/>
-          </a:xfrm>
-          <a:prstGeom prst="rect">
-            <a:avLst/>
-          </a:prstGeom>
-        </p:spPr>
-      </p:pic>
-      <p:pic>
-        <p:nvPicPr>
-          <p:cNvPr id="16" name="Рисунок 15">
-            <a:extLst>
-              <a:ext uri="{FF2B5EF4-FFF2-40B4-BE49-F238E27FC236}">
-                <a16:creationId xmlns:a16="http://schemas.microsoft.com/office/drawing/2014/main" id="{095F38AE-6765-FE62-A082-C3503F07C1CE}"/>
-              </a:ext>
-            </a:extLst>
-          </p:cNvPr>
-          <p:cNvPicPr>
-            <a:picLocks noChangeAspect="1"/>
-          </p:cNvPicPr>
-          <p:nvPr/>
-        </p:nvPicPr>
-        <p:blipFill>
-          <a:blip r:embed="rId5" cstate="print">
-            <a:extLst>
-              <a:ext uri="{28A0092B-C50C-407E-A947-70E740481C1C}">
-                <a14:useLocalDpi xmlns:a14="http://schemas.microsoft.com/office/drawing/2010/main" val="0"/>
-              </a:ext>
-            </a:extLst>
-          </a:blip>
-          <a:stretch>
-            <a:fillRect/>
-          </a:stretch>
-        </p:blipFill>
-        <p:spPr>
-          <a:xfrm>
-            <a:off x="262882" y="2769868"/>
-            <a:ext cx="2915285" cy="1926420"/>
-          </a:xfrm>
-          <a:prstGeom prst="rect">
-            <a:avLst/>
-          </a:prstGeom>
-        </p:spPr>
-      </p:pic>
-      <p:pic>
-        <p:nvPicPr>
-          <p:cNvPr id="17" name="Рисунок 16">
-            <a:extLst>
-              <a:ext uri="{FF2B5EF4-FFF2-40B4-BE49-F238E27FC236}">
-                <a16:creationId xmlns:a16="http://schemas.microsoft.com/office/drawing/2014/main" id="{B9FB06EF-36A5-623A-D85D-179D756C8581}"/>
-              </a:ext>
-            </a:extLst>
-          </p:cNvPr>
-          <p:cNvPicPr>
-            <a:picLocks noChangeAspect="1"/>
-          </p:cNvPicPr>
-          <p:nvPr/>
-        </p:nvPicPr>
-        <p:blipFill>
-          <a:blip r:embed="rId6" cstate="print">
-            <a:extLst>
-              <a:ext uri="{28A0092B-C50C-407E-A947-70E740481C1C}">
-                <a14:useLocalDpi xmlns:a14="http://schemas.microsoft.com/office/drawing/2010/main" val="0"/>
-              </a:ext>
-            </a:extLst>
-          </a:blip>
-          <a:stretch>
-            <a:fillRect/>
-          </a:stretch>
-        </p:blipFill>
-        <p:spPr>
-          <a:xfrm>
-            <a:off x="3519843" y="2769867"/>
-            <a:ext cx="2512670" cy="1879120"/>
-          </a:xfrm>
-          <a:prstGeom prst="rect">
-            <a:avLst/>
-          </a:prstGeom>
-        </p:spPr>
-      </p:pic>
-      <p:sp>
-        <p:nvSpPr>
-          <p:cNvPr id="24" name="TextBox 23">
-            <a:extLst>
-              <a:ext uri="{FF2B5EF4-FFF2-40B4-BE49-F238E27FC236}">
-                <a16:creationId xmlns:a16="http://schemas.microsoft.com/office/drawing/2014/main" id="{D79EE3FA-A4A1-FD16-65F3-EB5C0D78E104}"/>
-              </a:ext>
-            </a:extLst>
-          </p:cNvPr>
-          <p:cNvSpPr txBox="1"/>
-          <p:nvPr/>
-        </p:nvSpPr>
-        <p:spPr>
-          <a:xfrm>
-            <a:off x="262883" y="447213"/>
-            <a:ext cx="2547938" cy="369332"/>
-          </a:xfrm>
-          <a:prstGeom prst="rect">
-            <a:avLst/>
-          </a:prstGeom>
-          <a:solidFill>
-            <a:schemeClr val="tx1"/>
-          </a:solidFill>
-          <a:ln w="63500" cap="rnd">
-            <a:solidFill>
-              <a:schemeClr val="tx1"/>
-            </a:solidFill>
-          </a:ln>
-        </p:spPr>
-        <p:txBody>
-          <a:bodyPr wrap="square">
-            <a:spAutoFit/>
-          </a:bodyPr>
-          <a:lstStyle/>
-          <a:p>
-            <a:pPr algn="ctr"/>
-            <a:r>
-              <a:rPr lang="en-US" sz="1800" dirty="0">
-                <a:solidFill>
-                  <a:schemeClr val="bg1"/>
-                </a:solidFill>
-              </a:rPr>
-              <a:t>Sketches</a:t>
-            </a:r>
-          </a:p>
-        </p:txBody>
-      </p:sp>
-      <p:sp>
-        <p:nvSpPr>
-          <p:cNvPr id="25" name="TextBox 24">
-            <a:extLst>
-              <a:ext uri="{FF2B5EF4-FFF2-40B4-BE49-F238E27FC236}">
-                <a16:creationId xmlns:a16="http://schemas.microsoft.com/office/drawing/2014/main" id="{9467D8CD-CCCA-AC00-B194-B7BDEED5A2CE}"/>
-              </a:ext>
-            </a:extLst>
-          </p:cNvPr>
-          <p:cNvSpPr txBox="1"/>
-          <p:nvPr/>
-        </p:nvSpPr>
-        <p:spPr>
-          <a:xfrm>
-            <a:off x="262883" y="981115"/>
-            <a:ext cx="2988319" cy="1384995"/>
-          </a:xfrm>
-          <a:prstGeom prst="rect">
-            <a:avLst/>
-          </a:prstGeom>
-          <a:noFill/>
-          <a:ln w="25400" cap="rnd">
-            <a:solidFill>
-              <a:schemeClr val="tx1"/>
-            </a:solidFill>
-          </a:ln>
-        </p:spPr>
-        <p:txBody>
-          <a:bodyPr wrap="square">
-            <a:spAutoFit/>
-          </a:bodyPr>
-          <a:lstStyle/>
-          <a:p>
-            <a:r>
-              <a:rPr lang="en" dirty="0">
-                <a:effectLst/>
-              </a:rPr>
-              <a:t>I started with a few rough sketches to display the functionality of the modified courier robot and its approximate location of elements. As well as the estimated work process.</a:t>
-            </a:r>
-            <a:endParaRPr lang="ru-KZ" dirty="0"/>
-          </a:p>
-        </p:txBody>
-      </p:sp>
-    </p:spTree>
-    <p:extLst>
-      <p:ext uri="{BB962C8B-B14F-4D97-AF65-F5344CB8AC3E}">
-        <p14:creationId xmlns:p14="http://schemas.microsoft.com/office/powerpoint/2010/main" val="2122773883"/>
-      </p:ext>
-    </p:extLst>
-  </p:cSld>
-  <p:clrMapOvr>
-    <a:masterClrMapping/>
-  </p:clrMapOvr>
-</p:sld>
-</file>
-
-<file path=ppt/slides/slide9.xml><?xml version="1.0" encoding="utf-8"?>
-<p:sld xmlns:a="http://schemas.openxmlformats.org/drawingml/2006/main" xmlns:r="http://schemas.openxmlformats.org/officeDocument/2006/relationships" xmlns:p="http://schemas.openxmlformats.org/presentationml/2006/main">
-  <p:cSld>
-    <p:spTree>
-      <p:nvGrpSpPr>
-        <p:cNvPr id="1" name="Shape 71"/>
-        <p:cNvGrpSpPr/>
-        <p:nvPr/>
-      </p:nvGrpSpPr>
-      <p:grpSpPr>
-        <a:xfrm>
-          <a:off x="0" y="0"/>
-          <a:ext cx="0" cy="0"/>
-          <a:chOff x="0" y="0"/>
-          <a:chExt cx="0" cy="0"/>
-        </a:xfrm>
-      </p:grpSpPr>
-      <p:sp>
-        <p:nvSpPr>
-          <p:cNvPr id="18" name="TextBox 17">
-            <a:extLst>
-              <a:ext uri="{FF2B5EF4-FFF2-40B4-BE49-F238E27FC236}">
-                <a16:creationId xmlns:a16="http://schemas.microsoft.com/office/drawing/2014/main" id="{1684DAA8-80F6-0B60-F4E9-541ADA37ED31}"/>
-              </a:ext>
-            </a:extLst>
-          </p:cNvPr>
-          <p:cNvSpPr txBox="1"/>
-          <p:nvPr/>
-        </p:nvSpPr>
-        <p:spPr>
-          <a:xfrm>
-            <a:off x="164268" y="755868"/>
-            <a:ext cx="8674932" cy="954107"/>
-          </a:xfrm>
-          <a:prstGeom prst="rect">
-            <a:avLst/>
-          </a:prstGeom>
-          <a:noFill/>
-          <a:ln w="25400" cap="rnd">
-            <a:solidFill>
-              <a:schemeClr val="tx1"/>
-            </a:solidFill>
-          </a:ln>
-        </p:spPr>
-        <p:txBody>
-          <a:bodyPr wrap="square">
-            <a:spAutoFit/>
-          </a:bodyPr>
-          <a:lstStyle/>
-          <a:p>
-            <a:r>
-              <a:rPr lang="en" dirty="0">
-                <a:effectLst/>
-              </a:rPr>
-              <a:t>The </a:t>
-            </a:r>
-            <a:r>
-              <a:rPr lang="en-US" dirty="0">
-                <a:effectLst/>
-              </a:rPr>
-              <a:t>I</a:t>
-            </a:r>
-            <a:r>
-              <a:rPr lang="en" dirty="0">
-                <a:effectLst/>
-              </a:rPr>
-              <a:t>Bot Network Communication Service is an innovative solution to improve the quality of the internet connection on the SDU campus. The </a:t>
-            </a:r>
-            <a:r>
-              <a:rPr lang="en" dirty="0" err="1"/>
-              <a:t>I</a:t>
-            </a:r>
-            <a:r>
-              <a:rPr lang="en" dirty="0" err="1">
-                <a:effectLst/>
-              </a:rPr>
-              <a:t>Bot</a:t>
-            </a:r>
-            <a:r>
-              <a:rPr lang="en" dirty="0">
-                <a:effectLst/>
-              </a:rPr>
-              <a:t> system automatically scans various areas of the university, analyzing the quality of the network in real time. The robot helps to fix problems with the Internet connection, providing stable access to the network wherever students are.</a:t>
-            </a:r>
-            <a:endParaRPr lang="ru-KZ" dirty="0"/>
-          </a:p>
-        </p:txBody>
-      </p:sp>
-      <p:sp>
-        <p:nvSpPr>
-          <p:cNvPr id="19" name="TextBox 18">
-            <a:extLst>
-              <a:ext uri="{FF2B5EF4-FFF2-40B4-BE49-F238E27FC236}">
-                <a16:creationId xmlns:a16="http://schemas.microsoft.com/office/drawing/2014/main" id="{9DA3063B-87ED-5572-5498-B54CC2CDA678}"/>
-              </a:ext>
-            </a:extLst>
-          </p:cNvPr>
-          <p:cNvSpPr txBox="1"/>
-          <p:nvPr/>
-        </p:nvSpPr>
-        <p:spPr>
-          <a:xfrm>
-            <a:off x="164268" y="265780"/>
-            <a:ext cx="2790968" cy="369332"/>
-          </a:xfrm>
-          <a:prstGeom prst="rect">
-            <a:avLst/>
-          </a:prstGeom>
-          <a:solidFill>
-            <a:schemeClr val="tx1"/>
-          </a:solidFill>
-          <a:ln w="63500" cap="rnd">
-            <a:solidFill>
-              <a:schemeClr val="tx1"/>
-            </a:solidFill>
-          </a:ln>
-        </p:spPr>
-        <p:txBody>
-          <a:bodyPr wrap="square">
-            <a:spAutoFit/>
-          </a:bodyPr>
-          <a:lstStyle/>
-          <a:p>
-            <a:r>
-              <a:rPr lang="en" sz="1800" dirty="0">
-                <a:solidFill>
-                  <a:schemeClr val="bg1"/>
-                </a:solidFill>
-                <a:effectLst/>
-              </a:rPr>
-              <a:t>Description of the project:</a:t>
-            </a:r>
-            <a:endParaRPr lang="ru-KZ" sz="1800" dirty="0">
-              <a:solidFill>
-                <a:schemeClr val="bg1"/>
-              </a:solidFill>
-            </a:endParaRPr>
-          </a:p>
-        </p:txBody>
-      </p:sp>
-      <p:sp>
-        <p:nvSpPr>
-          <p:cNvPr id="7" name="TextBox 6">
-            <a:extLst>
-              <a:ext uri="{FF2B5EF4-FFF2-40B4-BE49-F238E27FC236}">
-                <a16:creationId xmlns:a16="http://schemas.microsoft.com/office/drawing/2014/main" id="{2C33D412-D48A-7982-24F5-929D00A52434}"/>
-              </a:ext>
-            </a:extLst>
-          </p:cNvPr>
-          <p:cNvSpPr txBox="1"/>
-          <p:nvPr/>
-        </p:nvSpPr>
-        <p:spPr>
-          <a:xfrm>
-            <a:off x="164267" y="3923613"/>
-            <a:ext cx="8674932" cy="954107"/>
-          </a:xfrm>
-          <a:prstGeom prst="rect">
-            <a:avLst/>
-          </a:prstGeom>
-          <a:noFill/>
-          <a:ln w="25400" cap="rnd">
-            <a:solidFill>
-              <a:schemeClr val="tx1"/>
-            </a:solidFill>
-          </a:ln>
-        </p:spPr>
-        <p:txBody>
-          <a:bodyPr wrap="square">
-            <a:spAutoFit/>
-          </a:bodyPr>
-          <a:lstStyle/>
-          <a:p>
-            <a:r>
-              <a:rPr lang="en" dirty="0">
-                <a:effectLst/>
-              </a:rPr>
-              <a:t>The </a:t>
-            </a:r>
-            <a:r>
-              <a:rPr lang="en" dirty="0" err="1">
-                <a:effectLst/>
-              </a:rPr>
-              <a:t>iBot</a:t>
-            </a:r>
-            <a:r>
-              <a:rPr lang="en" dirty="0">
-                <a:effectLst/>
-              </a:rPr>
-              <a:t> Network Communication Service is not just an innovative solution for improving Internet connectivity, but also a step into the future that will provide students and teachers with comfort, security and uninterrupted work in the learning process. Thanks to this project, SDU will become an example of an advanced technological university.</a:t>
-            </a:r>
-            <a:endParaRPr lang="ru-KZ" dirty="0"/>
-          </a:p>
-        </p:txBody>
-      </p:sp>
-      <p:sp>
-        <p:nvSpPr>
-          <p:cNvPr id="8" name="TextBox 7">
-            <a:extLst>
-              <a:ext uri="{FF2B5EF4-FFF2-40B4-BE49-F238E27FC236}">
-                <a16:creationId xmlns:a16="http://schemas.microsoft.com/office/drawing/2014/main" id="{28E192B5-F76C-73A2-783A-DF2E168EB690}"/>
-              </a:ext>
-            </a:extLst>
-          </p:cNvPr>
-          <p:cNvSpPr txBox="1"/>
-          <p:nvPr/>
-        </p:nvSpPr>
-        <p:spPr>
-          <a:xfrm>
-            <a:off x="164266" y="3433525"/>
-            <a:ext cx="1425995" cy="369332"/>
-          </a:xfrm>
-          <a:prstGeom prst="rect">
-            <a:avLst/>
-          </a:prstGeom>
-          <a:solidFill>
-            <a:schemeClr val="tx1"/>
-          </a:solidFill>
-          <a:ln w="63500" cap="rnd">
-            <a:solidFill>
-              <a:schemeClr val="tx1"/>
-            </a:solidFill>
-          </a:ln>
-        </p:spPr>
-        <p:txBody>
-          <a:bodyPr wrap="square">
-            <a:spAutoFit/>
-          </a:bodyPr>
-          <a:lstStyle/>
-          <a:p>
-            <a:r>
-              <a:rPr lang="en" sz="1800" dirty="0">
-                <a:solidFill>
-                  <a:schemeClr val="bg1"/>
-                </a:solidFill>
-                <a:effectLst/>
-              </a:rPr>
-              <a:t>Conclusion:</a:t>
-            </a:r>
-            <a:endParaRPr lang="ru-KZ" sz="1800" dirty="0">
-              <a:solidFill>
-                <a:schemeClr val="bg1"/>
-              </a:solidFill>
-            </a:endParaRPr>
-          </a:p>
-        </p:txBody>
-      </p:sp>
-      <p:sp>
-        <p:nvSpPr>
-          <p:cNvPr id="9" name="TextBox 8">
-            <a:extLst>
-              <a:ext uri="{FF2B5EF4-FFF2-40B4-BE49-F238E27FC236}">
-                <a16:creationId xmlns:a16="http://schemas.microsoft.com/office/drawing/2014/main" id="{5D92C8E4-5670-B2F9-5B57-3D8C2E0AAAC4}"/>
-              </a:ext>
-            </a:extLst>
-          </p:cNvPr>
-          <p:cNvSpPr txBox="1"/>
-          <p:nvPr/>
-        </p:nvSpPr>
-        <p:spPr>
-          <a:xfrm>
-            <a:off x="194778" y="2694861"/>
-            <a:ext cx="2449032" cy="307777"/>
-          </a:xfrm>
-          <a:prstGeom prst="rect">
-            <a:avLst/>
-          </a:prstGeom>
-          <a:noFill/>
-          <a:ln w="25400" cap="rnd">
-            <a:solidFill>
-              <a:schemeClr val="tx1"/>
-            </a:solidFill>
-          </a:ln>
-        </p:spPr>
-        <p:txBody>
-          <a:bodyPr wrap="square">
-            <a:spAutoFit/>
-          </a:bodyPr>
-          <a:lstStyle/>
-          <a:p>
-            <a:pPr algn="ctr"/>
-            <a:r>
-              <a:rPr lang="en" dirty="0">
-                <a:effectLst/>
-              </a:rPr>
-              <a:t>Pilot launch</a:t>
-            </a:r>
-            <a:endParaRPr lang="ru-KZ" dirty="0"/>
-          </a:p>
-        </p:txBody>
-      </p:sp>
-      <p:sp>
-        <p:nvSpPr>
-          <p:cNvPr id="10" name="TextBox 9">
-            <a:extLst>
-              <a:ext uri="{FF2B5EF4-FFF2-40B4-BE49-F238E27FC236}">
-                <a16:creationId xmlns:a16="http://schemas.microsoft.com/office/drawing/2014/main" id="{42575856-737A-5930-5F1B-D7FAB5CEBCC9}"/>
-              </a:ext>
-            </a:extLst>
-          </p:cNvPr>
-          <p:cNvSpPr txBox="1"/>
-          <p:nvPr/>
-        </p:nvSpPr>
-        <p:spPr>
-          <a:xfrm>
-            <a:off x="194778" y="2204773"/>
-            <a:ext cx="4509745" cy="369332"/>
-          </a:xfrm>
-          <a:prstGeom prst="rect">
-            <a:avLst/>
-          </a:prstGeom>
-          <a:solidFill>
-            <a:schemeClr val="tx1"/>
-          </a:solidFill>
-          <a:ln w="63500" cap="rnd">
-            <a:solidFill>
-              <a:schemeClr val="tx1"/>
-            </a:solidFill>
-          </a:ln>
-        </p:spPr>
-        <p:txBody>
-          <a:bodyPr wrap="square">
-            <a:spAutoFit/>
-          </a:bodyPr>
-          <a:lstStyle/>
-          <a:p>
-            <a:r>
-              <a:rPr lang="en" sz="1800" dirty="0">
-                <a:solidFill>
-                  <a:schemeClr val="bg1"/>
-                </a:solidFill>
-                <a:effectLst/>
-              </a:rPr>
-              <a:t>Implementation and development strategy:</a:t>
-            </a:r>
-            <a:endParaRPr lang="ru-KZ" sz="1800" dirty="0">
-              <a:solidFill>
-                <a:schemeClr val="bg1"/>
-              </a:solidFill>
-            </a:endParaRPr>
-          </a:p>
-        </p:txBody>
-      </p:sp>
-      <p:sp>
-        <p:nvSpPr>
-          <p:cNvPr id="12" name="TextBox 11">
-            <a:extLst>
-              <a:ext uri="{FF2B5EF4-FFF2-40B4-BE49-F238E27FC236}">
-                <a16:creationId xmlns:a16="http://schemas.microsoft.com/office/drawing/2014/main" id="{DB269348-F9ED-9247-C8BC-AE3887A60A51}"/>
-              </a:ext>
-            </a:extLst>
-          </p:cNvPr>
-          <p:cNvSpPr txBox="1"/>
-          <p:nvPr/>
-        </p:nvSpPr>
-        <p:spPr>
-          <a:xfrm>
-            <a:off x="2955237" y="2694861"/>
-            <a:ext cx="2449032" cy="307777"/>
-          </a:xfrm>
-          <a:prstGeom prst="rect">
-            <a:avLst/>
-          </a:prstGeom>
-          <a:noFill/>
-          <a:ln w="25400" cap="rnd">
-            <a:solidFill>
-              <a:schemeClr val="tx1"/>
-            </a:solidFill>
-          </a:ln>
-        </p:spPr>
-        <p:txBody>
-          <a:bodyPr wrap="square">
-            <a:spAutoFit/>
-          </a:bodyPr>
-          <a:lstStyle/>
-          <a:p>
-            <a:pPr algn="ctr"/>
-            <a:r>
-              <a:rPr lang="en" dirty="0">
-                <a:effectLst/>
-              </a:rPr>
-              <a:t>Scaling</a:t>
-            </a:r>
-            <a:endParaRPr lang="ru-KZ" dirty="0"/>
-          </a:p>
-        </p:txBody>
-      </p:sp>
-      <p:sp>
-        <p:nvSpPr>
-          <p:cNvPr id="14" name="TextBox 13">
-            <a:extLst>
-              <a:ext uri="{FF2B5EF4-FFF2-40B4-BE49-F238E27FC236}">
-                <a16:creationId xmlns:a16="http://schemas.microsoft.com/office/drawing/2014/main" id="{7C842A6B-5377-A48B-FD75-5D64C3769092}"/>
-              </a:ext>
-            </a:extLst>
-          </p:cNvPr>
-          <p:cNvSpPr txBox="1"/>
-          <p:nvPr/>
-        </p:nvSpPr>
-        <p:spPr>
-          <a:xfrm>
-            <a:off x="5638800" y="2694861"/>
-            <a:ext cx="3200399" cy="307777"/>
-          </a:xfrm>
-          <a:prstGeom prst="rect">
-            <a:avLst/>
-          </a:prstGeom>
-          <a:noFill/>
-          <a:ln w="25400" cap="rnd">
-            <a:solidFill>
-              <a:schemeClr val="tx1"/>
-            </a:solidFill>
-          </a:ln>
-        </p:spPr>
-        <p:txBody>
-          <a:bodyPr wrap="square">
-            <a:spAutoFit/>
-          </a:bodyPr>
-          <a:lstStyle/>
-          <a:p>
-            <a:r>
-              <a:rPr lang="en" dirty="0">
-                <a:effectLst/>
-              </a:rPr>
-              <a:t>Integration with the university network</a:t>
-            </a:r>
-            <a:endParaRPr lang="ru-KZ" dirty="0"/>
-          </a:p>
-        </p:txBody>
-      </p:sp>
-    </p:spTree>
-    <p:extLst>
-      <p:ext uri="{BB962C8B-B14F-4D97-AF65-F5344CB8AC3E}">
-        <p14:creationId xmlns:p14="http://schemas.microsoft.com/office/powerpoint/2010/main" val="2793855171"/>
       </p:ext>
     </p:extLst>
   </p:cSld>

--- a/images/aboutme/PRJ-1.pptx
+++ b/images/aboutme/PRJ-1.pptx
@@ -5,7 +5,7 @@
     <p:sldMasterId id="2147483659" r:id="rId1"/>
   </p:sldMasterIdLst>
   <p:notesMasterIdLst>
-    <p:notesMasterId r:id="rId14"/>
+    <p:notesMasterId r:id="rId16"/>
   </p:notesMasterIdLst>
   <p:sldIdLst>
     <p:sldId id="302" r:id="rId2"/>
@@ -15,11 +15,13 @@
     <p:sldId id="306" r:id="rId6"/>
     <p:sldId id="307" r:id="rId7"/>
     <p:sldId id="311" r:id="rId8"/>
-    <p:sldId id="312" r:id="rId9"/>
-    <p:sldId id="308" r:id="rId10"/>
-    <p:sldId id="309" r:id="rId11"/>
-    <p:sldId id="304" r:id="rId12"/>
-    <p:sldId id="310" r:id="rId13"/>
+    <p:sldId id="313" r:id="rId9"/>
+    <p:sldId id="312" r:id="rId10"/>
+    <p:sldId id="314" r:id="rId11"/>
+    <p:sldId id="308" r:id="rId12"/>
+    <p:sldId id="309" r:id="rId13"/>
+    <p:sldId id="304" r:id="rId14"/>
+    <p:sldId id="310" r:id="rId15"/>
   </p:sldIdLst>
   <p:sldSz cx="9144000" cy="5143500" type="screen16x9"/>
   <p:notesSz cx="6858000" cy="9144000"/>
@@ -6463,6 +6465,536 @@
           <a:chExt cx="0" cy="0"/>
         </a:xfrm>
       </p:grpSpPr>
+      <p:sp>
+        <p:nvSpPr>
+          <p:cNvPr id="4" name="TextBox 3">
+            <a:extLst>
+              <a:ext uri="{FF2B5EF4-FFF2-40B4-BE49-F238E27FC236}">
+                <a16:creationId xmlns:a16="http://schemas.microsoft.com/office/drawing/2014/main" id="{4448CABF-D69B-40BE-D616-76ACDA62364C}"/>
+              </a:ext>
+            </a:extLst>
+          </p:cNvPr>
+          <p:cNvSpPr txBox="1"/>
+          <p:nvPr/>
+        </p:nvSpPr>
+        <p:spPr>
+          <a:xfrm>
+            <a:off x="262883" y="274219"/>
+            <a:ext cx="2752166" cy="369332"/>
+          </a:xfrm>
+          <a:prstGeom prst="rect">
+            <a:avLst/>
+          </a:prstGeom>
+          <a:solidFill>
+            <a:schemeClr val="tx1"/>
+          </a:solidFill>
+          <a:ln w="63500" cap="rnd">
+            <a:solidFill>
+              <a:schemeClr val="tx1"/>
+            </a:solidFill>
+          </a:ln>
+        </p:spPr>
+        <p:txBody>
+          <a:bodyPr wrap="square">
+            <a:spAutoFit/>
+          </a:bodyPr>
+          <a:lstStyle/>
+          <a:p>
+            <a:pPr algn="r"/>
+            <a:r>
+              <a:rPr lang="en-US" sz="1800" dirty="0">
+                <a:solidFill>
+                  <a:schemeClr val="bg1"/>
+                </a:solidFill>
+              </a:rPr>
+              <a:t>Storyboard for scenario 2  </a:t>
+            </a:r>
+          </a:p>
+        </p:txBody>
+      </p:sp>
+      <p:sp>
+        <p:nvSpPr>
+          <p:cNvPr id="3" name="TextBox 2">
+            <a:extLst>
+              <a:ext uri="{FF2B5EF4-FFF2-40B4-BE49-F238E27FC236}">
+                <a16:creationId xmlns:a16="http://schemas.microsoft.com/office/drawing/2014/main" id="{4E7CBA82-02EC-7BD6-7ABE-61E5DBDA6B2E}"/>
+              </a:ext>
+            </a:extLst>
+          </p:cNvPr>
+          <p:cNvSpPr txBox="1"/>
+          <p:nvPr/>
+        </p:nvSpPr>
+        <p:spPr>
+          <a:xfrm>
+            <a:off x="0" y="908596"/>
+            <a:ext cx="9144000" cy="2587824"/>
+          </a:xfrm>
+          <a:prstGeom prst="rect">
+            <a:avLst/>
+          </a:prstGeom>
+          <a:noFill/>
+        </p:spPr>
+        <p:txBody>
+          <a:bodyPr wrap="square">
+            <a:spAutoFit/>
+          </a:bodyPr>
+          <a:lstStyle/>
+          <a:p>
+            <a:pPr marL="226060" indent="-6350">
+              <a:lnSpc>
+                <a:spcPct val="107000"/>
+              </a:lnSpc>
+              <a:spcAft>
+                <a:spcPts val="1335"/>
+              </a:spcAft>
+            </a:pPr>
+            <a:r>
+              <a:rPr lang="ru-KZ" sz="1400" dirty="0">
+                <a:solidFill>
+                  <a:srgbClr val="000000"/>
+                </a:solidFill>
+                <a:effectLst/>
+                <a:latin typeface="Times New Roman" panose="02020603050405020304" pitchFamily="18" charset="0"/>
+                <a:ea typeface="Times New Roman" panose="02020603050405020304" pitchFamily="18" charset="0"/>
+              </a:rPr>
+              <a:t>At the event: A student stands in the crowd, looking at the screen of his phone, which is unable to connect to the internet.</a:t>
+            </a:r>
+          </a:p>
+          <a:p>
+            <a:pPr marL="226060" indent="-6350">
+              <a:lnSpc>
+                <a:spcPct val="107000"/>
+              </a:lnSpc>
+              <a:spcAft>
+                <a:spcPts val="1335"/>
+              </a:spcAft>
+            </a:pPr>
+            <a:r>
+              <a:rPr lang="ru-KZ" sz="1400" dirty="0">
+                <a:solidFill>
+                  <a:srgbClr val="000000"/>
+                </a:solidFill>
+                <a:effectLst/>
+                <a:latin typeface="Times New Roman" panose="02020603050405020304" pitchFamily="18" charset="0"/>
+                <a:ea typeface="Times New Roman" panose="02020603050405020304" pitchFamily="18" charset="0"/>
+              </a:rPr>
+              <a:t>IBot scans the area: IBot drives past groups of students scanning the area and the network, its screen displays the signal strength and number of people present.</a:t>
+            </a:r>
+          </a:p>
+          <a:p>
+            <a:pPr marL="226060" indent="-6350">
+              <a:lnSpc>
+                <a:spcPct val="107000"/>
+              </a:lnSpc>
+              <a:spcAft>
+                <a:spcPts val="1335"/>
+              </a:spcAft>
+            </a:pPr>
+            <a:r>
+              <a:rPr lang="ru-KZ" sz="1400" dirty="0">
+                <a:solidFill>
+                  <a:srgbClr val="000000"/>
+                </a:solidFill>
+                <a:effectLst/>
+                <a:latin typeface="Times New Roman" panose="02020603050405020304" pitchFamily="18" charset="0"/>
+                <a:ea typeface="Times New Roman" panose="02020603050405020304" pitchFamily="18" charset="0"/>
+              </a:rPr>
+              <a:t>Congestion detection: IBot detects that the signal is weak and there are too many people in the area, automatically deciding to stop.</a:t>
+            </a:r>
+          </a:p>
+          <a:p>
+            <a:pPr marL="226060" indent="-6350">
+              <a:lnSpc>
+                <a:spcPct val="107000"/>
+              </a:lnSpc>
+              <a:spcAft>
+                <a:spcPts val="1335"/>
+              </a:spcAft>
+            </a:pPr>
+            <a:r>
+              <a:rPr lang="ru-KZ" sz="1400" dirty="0">
+                <a:solidFill>
+                  <a:srgbClr val="000000"/>
+                </a:solidFill>
+                <a:effectLst/>
+                <a:latin typeface="Times New Roman" panose="02020603050405020304" pitchFamily="18" charset="0"/>
+                <a:ea typeface="Times New Roman" panose="02020603050405020304" pitchFamily="18" charset="0"/>
+              </a:rPr>
+              <a:t>Booster setup: IBot stops and its lights start to flash while it boosts the signal for those around it.</a:t>
+            </a:r>
+          </a:p>
+          <a:p>
+            <a:pPr marL="226060" indent="-6350">
+              <a:lnSpc>
+                <a:spcPct val="107000"/>
+              </a:lnSpc>
+              <a:spcAft>
+                <a:spcPts val="1335"/>
+              </a:spcAft>
+            </a:pPr>
+            <a:r>
+              <a:rPr lang="ru-KZ" sz="1400" dirty="0">
+                <a:solidFill>
+                  <a:srgbClr val="000000"/>
+                </a:solidFill>
+                <a:effectLst/>
+                <a:latin typeface="Times New Roman" panose="02020603050405020304" pitchFamily="18" charset="0"/>
+                <a:ea typeface="Times New Roman" panose="02020603050405020304" pitchFamily="18" charset="0"/>
+              </a:rPr>
+              <a:t>Connection improvement: Students blog when the internet is stable and can easily interact with online resources and share their experiences.</a:t>
+            </a:r>
+            <a:r>
+              <a:rPr lang="ru-KZ" sz="1400" b="1" dirty="0">
+                <a:solidFill>
+                  <a:srgbClr val="000000"/>
+                </a:solidFill>
+                <a:effectLst/>
+                <a:latin typeface="Times New Roman" panose="02020603050405020304" pitchFamily="18" charset="0"/>
+                <a:ea typeface="Times New Roman" panose="02020603050405020304" pitchFamily="18" charset="0"/>
+              </a:rPr>
+              <a:t> </a:t>
+            </a:r>
+            <a:endParaRPr lang="ru-KZ" sz="1400" dirty="0">
+              <a:solidFill>
+                <a:srgbClr val="000000"/>
+              </a:solidFill>
+              <a:effectLst/>
+              <a:latin typeface="Times New Roman" panose="02020603050405020304" pitchFamily="18" charset="0"/>
+              <a:ea typeface="Times New Roman" panose="02020603050405020304" pitchFamily="18" charset="0"/>
+            </a:endParaRPr>
+          </a:p>
+        </p:txBody>
+      </p:sp>
+    </p:spTree>
+    <p:extLst>
+      <p:ext uri="{BB962C8B-B14F-4D97-AF65-F5344CB8AC3E}">
+        <p14:creationId xmlns:p14="http://schemas.microsoft.com/office/powerpoint/2010/main" val="7481679"/>
+      </p:ext>
+    </p:extLst>
+  </p:cSld>
+  <p:clrMapOvr>
+    <a:masterClrMapping/>
+  </p:clrMapOvr>
+</p:sld>
+</file>
+
+<file path=ppt/slides/slide11.xml><?xml version="1.0" encoding="utf-8"?>
+<p:sld xmlns:a="http://schemas.openxmlformats.org/drawingml/2006/main" xmlns:r="http://schemas.openxmlformats.org/officeDocument/2006/relationships" xmlns:p="http://schemas.openxmlformats.org/presentationml/2006/main">
+  <p:cSld>
+    <p:spTree>
+      <p:nvGrpSpPr>
+        <p:cNvPr id="1" name=""/>
+        <p:cNvGrpSpPr/>
+        <p:nvPr/>
+      </p:nvGrpSpPr>
+      <p:grpSpPr>
+        <a:xfrm>
+          <a:off x="0" y="0"/>
+          <a:ext cx="0" cy="0"/>
+          <a:chOff x="0" y="0"/>
+          <a:chExt cx="0" cy="0"/>
+        </a:xfrm>
+      </p:grpSpPr>
+      <p:pic>
+        <p:nvPicPr>
+          <p:cNvPr id="2" name="Рисунок 1">
+            <a:extLst>
+              <a:ext uri="{FF2B5EF4-FFF2-40B4-BE49-F238E27FC236}">
+                <a16:creationId xmlns:a16="http://schemas.microsoft.com/office/drawing/2014/main" id="{F4B10F43-80C8-51B9-4A01-44667D8EE73F}"/>
+              </a:ext>
+            </a:extLst>
+          </p:cNvPr>
+          <p:cNvPicPr>
+            <a:picLocks noChangeAspect="1"/>
+          </p:cNvPicPr>
+          <p:nvPr/>
+        </p:nvPicPr>
+        <p:blipFill>
+          <a:blip r:embed="rId2" cstate="print">
+            <a:extLst>
+              <a:ext uri="{28A0092B-C50C-407E-A947-70E740481C1C}">
+                <a14:useLocalDpi xmlns:a14="http://schemas.microsoft.com/office/drawing/2010/main" val="0"/>
+              </a:ext>
+            </a:extLst>
+          </a:blip>
+          <a:stretch>
+            <a:fillRect/>
+          </a:stretch>
+        </p:blipFill>
+        <p:spPr>
+          <a:xfrm>
+            <a:off x="6330950" y="435458"/>
+            <a:ext cx="2506980" cy="1939290"/>
+          </a:xfrm>
+          <a:prstGeom prst="rect">
+            <a:avLst/>
+          </a:prstGeom>
+        </p:spPr>
+      </p:pic>
+      <p:pic>
+        <p:nvPicPr>
+          <p:cNvPr id="3" name="Рисунок 2">
+            <a:extLst>
+              <a:ext uri="{FF2B5EF4-FFF2-40B4-BE49-F238E27FC236}">
+                <a16:creationId xmlns:a16="http://schemas.microsoft.com/office/drawing/2014/main" id="{0A43035F-2F9B-C976-F413-33742C425C53}"/>
+              </a:ext>
+            </a:extLst>
+          </p:cNvPr>
+          <p:cNvPicPr>
+            <a:picLocks noChangeAspect="1"/>
+          </p:cNvPicPr>
+          <p:nvPr/>
+        </p:nvPicPr>
+        <p:blipFill>
+          <a:blip r:embed="rId3" cstate="print">
+            <a:extLst>
+              <a:ext uri="{28A0092B-C50C-407E-A947-70E740481C1C}">
+                <a14:useLocalDpi xmlns:a14="http://schemas.microsoft.com/office/drawing/2010/main" val="0"/>
+              </a:ext>
+            </a:extLst>
+          </a:blip>
+          <a:stretch>
+            <a:fillRect/>
+          </a:stretch>
+        </p:blipFill>
+        <p:spPr>
+          <a:xfrm>
+            <a:off x="3588386" y="447214"/>
+            <a:ext cx="2405380" cy="1927534"/>
+          </a:xfrm>
+          <a:prstGeom prst="rect">
+            <a:avLst/>
+          </a:prstGeom>
+        </p:spPr>
+      </p:pic>
+      <p:pic>
+        <p:nvPicPr>
+          <p:cNvPr id="10" name="Рисунок 9">
+            <a:extLst>
+              <a:ext uri="{FF2B5EF4-FFF2-40B4-BE49-F238E27FC236}">
+                <a16:creationId xmlns:a16="http://schemas.microsoft.com/office/drawing/2014/main" id="{DA3E5E4E-ED33-0BDD-A7C8-D22D7845F6F8}"/>
+              </a:ext>
+            </a:extLst>
+          </p:cNvPr>
+          <p:cNvPicPr>
+            <a:picLocks noChangeAspect="1"/>
+          </p:cNvPicPr>
+          <p:nvPr/>
+        </p:nvPicPr>
+        <p:blipFill>
+          <a:blip r:embed="rId4" cstate="print">
+            <a:extLst>
+              <a:ext uri="{28A0092B-C50C-407E-A947-70E740481C1C}">
+                <a14:useLocalDpi xmlns:a14="http://schemas.microsoft.com/office/drawing/2010/main" val="0"/>
+              </a:ext>
+            </a:extLst>
+          </a:blip>
+          <a:stretch>
+            <a:fillRect/>
+          </a:stretch>
+        </p:blipFill>
+        <p:spPr>
+          <a:xfrm>
+            <a:off x="262883" y="2769870"/>
+            <a:ext cx="2915285" cy="1830705"/>
+          </a:xfrm>
+          <a:prstGeom prst="rect">
+            <a:avLst/>
+          </a:prstGeom>
+        </p:spPr>
+      </p:pic>
+      <p:pic>
+        <p:nvPicPr>
+          <p:cNvPr id="11" name="Рисунок 10">
+            <a:extLst>
+              <a:ext uri="{FF2B5EF4-FFF2-40B4-BE49-F238E27FC236}">
+                <a16:creationId xmlns:a16="http://schemas.microsoft.com/office/drawing/2014/main" id="{19E72B60-003A-1A69-8063-1E6367ECB6CB}"/>
+              </a:ext>
+            </a:extLst>
+          </p:cNvPr>
+          <p:cNvPicPr>
+            <a:picLocks noChangeAspect="1"/>
+          </p:cNvPicPr>
+          <p:nvPr/>
+        </p:nvPicPr>
+        <p:blipFill>
+          <a:blip r:embed="rId5">
+            <a:extLst>
+              <a:ext uri="{28A0092B-C50C-407E-A947-70E740481C1C}">
+                <a14:useLocalDpi xmlns:a14="http://schemas.microsoft.com/office/drawing/2010/main" val="0"/>
+              </a:ext>
+            </a:extLst>
+          </a:blip>
+          <a:stretch>
+            <a:fillRect/>
+          </a:stretch>
+        </p:blipFill>
+        <p:spPr>
+          <a:xfrm>
+            <a:off x="6296978" y="2769869"/>
+            <a:ext cx="2512670" cy="1830705"/>
+          </a:xfrm>
+          <a:prstGeom prst="rect">
+            <a:avLst/>
+          </a:prstGeom>
+        </p:spPr>
+      </p:pic>
+      <p:pic>
+        <p:nvPicPr>
+          <p:cNvPr id="15" name="Рисунок 14">
+            <a:extLst>
+              <a:ext uri="{FF2B5EF4-FFF2-40B4-BE49-F238E27FC236}">
+                <a16:creationId xmlns:a16="http://schemas.microsoft.com/office/drawing/2014/main" id="{10FCFC51-81EE-E5A0-84AC-78E95B628967}"/>
+              </a:ext>
+            </a:extLst>
+          </p:cNvPr>
+          <p:cNvPicPr>
+            <a:picLocks noChangeAspect="1"/>
+          </p:cNvPicPr>
+          <p:nvPr/>
+        </p:nvPicPr>
+        <p:blipFill>
+          <a:blip r:embed="rId6" cstate="print">
+            <a:extLst>
+              <a:ext uri="{28A0092B-C50C-407E-A947-70E740481C1C}">
+                <a14:useLocalDpi xmlns:a14="http://schemas.microsoft.com/office/drawing/2010/main" val="0"/>
+              </a:ext>
+            </a:extLst>
+          </a:blip>
+          <a:stretch>
+            <a:fillRect/>
+          </a:stretch>
+        </p:blipFill>
+        <p:spPr>
+          <a:xfrm>
+            <a:off x="3558590" y="2769869"/>
+            <a:ext cx="2435176" cy="1830705"/>
+          </a:xfrm>
+          <a:prstGeom prst="rect">
+            <a:avLst/>
+          </a:prstGeom>
+        </p:spPr>
+      </p:pic>
+      <p:sp>
+        <p:nvSpPr>
+          <p:cNvPr id="24" name="TextBox 23">
+            <a:extLst>
+              <a:ext uri="{FF2B5EF4-FFF2-40B4-BE49-F238E27FC236}">
+                <a16:creationId xmlns:a16="http://schemas.microsoft.com/office/drawing/2014/main" id="{D79EE3FA-A4A1-FD16-65F3-EB5C0D78E104}"/>
+              </a:ext>
+            </a:extLst>
+          </p:cNvPr>
+          <p:cNvSpPr txBox="1"/>
+          <p:nvPr/>
+        </p:nvSpPr>
+        <p:spPr>
+          <a:xfrm>
+            <a:off x="262883" y="447213"/>
+            <a:ext cx="2547938" cy="369332"/>
+          </a:xfrm>
+          <a:prstGeom prst="rect">
+            <a:avLst/>
+          </a:prstGeom>
+          <a:solidFill>
+            <a:schemeClr val="tx1"/>
+          </a:solidFill>
+          <a:ln w="63500" cap="rnd">
+            <a:solidFill>
+              <a:schemeClr val="tx1"/>
+            </a:solidFill>
+          </a:ln>
+        </p:spPr>
+        <p:txBody>
+          <a:bodyPr wrap="square">
+            <a:spAutoFit/>
+          </a:bodyPr>
+          <a:lstStyle/>
+          <a:p>
+            <a:pPr algn="ctr"/>
+            <a:r>
+              <a:rPr lang="en-US" sz="1800" dirty="0">
+                <a:solidFill>
+                  <a:schemeClr val="bg1"/>
+                </a:solidFill>
+              </a:rPr>
+              <a:t>Sketches</a:t>
+            </a:r>
+          </a:p>
+        </p:txBody>
+      </p:sp>
+      <p:sp>
+        <p:nvSpPr>
+          <p:cNvPr id="25" name="TextBox 24">
+            <a:extLst>
+              <a:ext uri="{FF2B5EF4-FFF2-40B4-BE49-F238E27FC236}">
+                <a16:creationId xmlns:a16="http://schemas.microsoft.com/office/drawing/2014/main" id="{9467D8CD-CCCA-AC00-B194-B7BDEED5A2CE}"/>
+              </a:ext>
+            </a:extLst>
+          </p:cNvPr>
+          <p:cNvSpPr txBox="1"/>
+          <p:nvPr/>
+        </p:nvSpPr>
+        <p:spPr>
+          <a:xfrm>
+            <a:off x="262883" y="981115"/>
+            <a:ext cx="2988319" cy="1384995"/>
+          </a:xfrm>
+          <a:prstGeom prst="rect">
+            <a:avLst/>
+          </a:prstGeom>
+          <a:noFill/>
+          <a:ln w="25400" cap="rnd">
+            <a:solidFill>
+              <a:schemeClr val="tx1"/>
+            </a:solidFill>
+          </a:ln>
+        </p:spPr>
+        <p:txBody>
+          <a:bodyPr wrap="square">
+            <a:spAutoFit/>
+          </a:bodyPr>
+          <a:lstStyle/>
+          <a:p>
+            <a:r>
+              <a:rPr lang="en" dirty="0">
+                <a:effectLst/>
+              </a:rPr>
+              <a:t>I started with a few rough sketches to display the functionality of the modified courier robot and its approximate location of elements. As well as the estimated work process.</a:t>
+            </a:r>
+            <a:endParaRPr lang="ru-KZ" dirty="0"/>
+          </a:p>
+        </p:txBody>
+      </p:sp>
+    </p:spTree>
+    <p:extLst>
+      <p:ext uri="{BB962C8B-B14F-4D97-AF65-F5344CB8AC3E}">
+        <p14:creationId xmlns:p14="http://schemas.microsoft.com/office/powerpoint/2010/main" val="1829160259"/>
+      </p:ext>
+    </p:extLst>
+  </p:cSld>
+  <p:clrMapOvr>
+    <a:masterClrMapping/>
+  </p:clrMapOvr>
+</p:sld>
+</file>
+
+<file path=ppt/slides/slide12.xml><?xml version="1.0" encoding="utf-8"?>
+<p:sld xmlns:a="http://schemas.openxmlformats.org/drawingml/2006/main" xmlns:r="http://schemas.openxmlformats.org/officeDocument/2006/relationships" xmlns:p="http://schemas.openxmlformats.org/presentationml/2006/main">
+  <p:cSld>
+    <p:spTree>
+      <p:nvGrpSpPr>
+        <p:cNvPr id="1" name=""/>
+        <p:cNvGrpSpPr/>
+        <p:nvPr/>
+      </p:nvGrpSpPr>
+      <p:grpSpPr>
+        <a:xfrm>
+          <a:off x="0" y="0"/>
+          <a:ext cx="0" cy="0"/>
+          <a:chOff x="0" y="0"/>
+          <a:chExt cx="0" cy="0"/>
+        </a:xfrm>
+      </p:grpSpPr>
       <p:pic>
         <p:nvPicPr>
           <p:cNvPr id="3" name="Рисунок 2">
@@ -6746,7 +7278,7 @@
 </p:sld>
 </file>
 
-<file path=ppt/slides/slide11.xml><?xml version="1.0" encoding="utf-8"?>
+<file path=ppt/slides/slide13.xml><?xml version="1.0" encoding="utf-8"?>
 <p:sld xmlns:a="http://schemas.openxmlformats.org/drawingml/2006/main" xmlns:r="http://schemas.openxmlformats.org/officeDocument/2006/relationships" xmlns:p="http://schemas.openxmlformats.org/presentationml/2006/main">
   <p:cSld>
     <p:spTree>
@@ -7189,7 +7721,7 @@
 </p:sld>
 </file>
 
-<file path=ppt/slides/slide12.xml><?xml version="1.0" encoding="utf-8"?>
+<file path=ppt/slides/slide14.xml><?xml version="1.0" encoding="utf-8"?>
 <p:sld xmlns:a="http://schemas.openxmlformats.org/drawingml/2006/main" xmlns:r="http://schemas.openxmlformats.org/officeDocument/2006/relationships" xmlns:p="http://schemas.openxmlformats.org/presentationml/2006/main">
   <p:cSld>
     <p:spTree>
@@ -10703,10 +11235,10 @@
       </p:grpSpPr>
       <p:sp>
         <p:nvSpPr>
-          <p:cNvPr id="4" name="TextBox 3">
+          <p:cNvPr id="7" name="TextBox 6">
             <a:extLst>
               <a:ext uri="{FF2B5EF4-FFF2-40B4-BE49-F238E27FC236}">
-                <a16:creationId xmlns:a16="http://schemas.microsoft.com/office/drawing/2014/main" id="{4448CABF-D69B-40BE-D616-76ACDA62364C}"/>
+                <a16:creationId xmlns:a16="http://schemas.microsoft.com/office/drawing/2014/main" id="{31A4E67D-7DEA-B194-C496-C4B4612091A7}"/>
               </a:ext>
             </a:extLst>
           </p:cNvPr>
@@ -10715,8 +11247,142 @@
         </p:nvSpPr>
         <p:spPr>
           <a:xfrm>
+            <a:off x="0" y="896975"/>
+            <a:ext cx="9022856" cy="2521139"/>
+          </a:xfrm>
+          <a:prstGeom prst="rect">
+            <a:avLst/>
+          </a:prstGeom>
+          <a:noFill/>
+        </p:spPr>
+        <p:txBody>
+          <a:bodyPr wrap="square">
+            <a:spAutoFit/>
+          </a:bodyPr>
+          <a:lstStyle/>
+          <a:p>
+            <a:pPr marL="226060" indent="-6350">
+              <a:lnSpc>
+                <a:spcPct val="103000"/>
+              </a:lnSpc>
+              <a:spcAft>
+                <a:spcPts val="1335"/>
+              </a:spcAft>
+            </a:pPr>
+            <a:r>
+              <a:rPr lang="ru-KZ" dirty="0">
+                <a:solidFill>
+                  <a:srgbClr val="000000"/>
+                </a:solidFill>
+                <a:effectLst/>
+                <a:latin typeface="Times New Roman" panose="02020603050405020304" pitchFamily="18" charset="0"/>
+                <a:ea typeface="Times New Roman" panose="02020603050405020304" pitchFamily="18" charset="0"/>
+              </a:rPr>
+              <a:t>In the classroom: The student sits at her desk, anxiously looking at her laptop screen, where the connection to the conference is frequently disconnected.</a:t>
+            </a:r>
+          </a:p>
+          <a:p>
+            <a:pPr marL="226060" indent="-6350">
+              <a:lnSpc>
+                <a:spcPct val="103000"/>
+              </a:lnSpc>
+              <a:spcAft>
+                <a:spcPts val="1335"/>
+              </a:spcAft>
+            </a:pPr>
+            <a:r>
+              <a:rPr lang="ru-KZ" dirty="0">
+                <a:solidFill>
+                  <a:srgbClr val="000000"/>
+                </a:solidFill>
+                <a:effectLst/>
+                <a:latin typeface="Times New Roman" panose="02020603050405020304" pitchFamily="18" charset="0"/>
+                <a:ea typeface="Times New Roman" panose="02020603050405020304" pitchFamily="18" charset="0"/>
+              </a:rPr>
+              <a:t>IBot scans the classroom: IBot drives past students scanning the area and the network, its screen displays the signal strength and number of people present.</a:t>
+            </a:r>
+          </a:p>
+          <a:p>
+            <a:pPr marL="226060" indent="-6350">
+              <a:lnSpc>
+                <a:spcPct val="103000"/>
+              </a:lnSpc>
+              <a:spcAft>
+                <a:spcPts val="1335"/>
+              </a:spcAft>
+            </a:pPr>
+            <a:r>
+              <a:rPr lang="ru-KZ" dirty="0">
+                <a:solidFill>
+                  <a:srgbClr val="000000"/>
+                </a:solidFill>
+                <a:effectLst/>
+                <a:latin typeface="Times New Roman" panose="02020603050405020304" pitchFamily="18" charset="0"/>
+                <a:ea typeface="Times New Roman" panose="02020603050405020304" pitchFamily="18" charset="0"/>
+              </a:rPr>
+              <a:t>Detecting a problem: IBot detects that the signal is weaker than usual and automatically decides to stop.</a:t>
+            </a:r>
+          </a:p>
+          <a:p>
+            <a:pPr marL="226060" indent="-6350">
+              <a:lnSpc>
+                <a:spcPct val="103000"/>
+              </a:lnSpc>
+              <a:spcAft>
+                <a:spcPts val="1335"/>
+              </a:spcAft>
+            </a:pPr>
+            <a:r>
+              <a:rPr lang="ru-KZ" dirty="0">
+                <a:solidFill>
+                  <a:srgbClr val="000000"/>
+                </a:solidFill>
+                <a:effectLst/>
+                <a:latin typeface="Times New Roman" panose="02020603050405020304" pitchFamily="18" charset="0"/>
+                <a:ea typeface="Times New Roman" panose="02020603050405020304" pitchFamily="18" charset="0"/>
+              </a:rPr>
+              <a:t>Setting up the booster: IBot stops and its lights flash while it boosts the signal.</a:t>
+            </a:r>
+          </a:p>
+          <a:p>
+            <a:pPr marL="226060" indent="-6350">
+              <a:lnSpc>
+                <a:spcPct val="103000"/>
+              </a:lnSpc>
+              <a:spcAft>
+                <a:spcPts val="1335"/>
+              </a:spcAft>
+            </a:pPr>
+            <a:r>
+              <a:rPr lang="ru-KZ" dirty="0">
+                <a:solidFill>
+                  <a:srgbClr val="000000"/>
+                </a:solidFill>
+                <a:effectLst/>
+                <a:latin typeface="Times New Roman" panose="02020603050405020304" pitchFamily="18" charset="0"/>
+                <a:ea typeface="Times New Roman" panose="02020603050405020304" pitchFamily="18" charset="0"/>
+              </a:rPr>
+              <a:t>Improving the connection: Students smile when the screen displays a message that the connection has been restored and actively participate in the lecture.</a:t>
+            </a:r>
+          </a:p>
+        </p:txBody>
+      </p:sp>
+      <p:sp>
+        <p:nvSpPr>
+          <p:cNvPr id="5" name="TextBox 4">
+            <a:extLst>
+              <a:ext uri="{FF2B5EF4-FFF2-40B4-BE49-F238E27FC236}">
+                <a16:creationId xmlns:a16="http://schemas.microsoft.com/office/drawing/2014/main" id="{34B4DA2C-FAB1-5524-3C2B-41CBBDD353B3}"/>
+              </a:ext>
+            </a:extLst>
+          </p:cNvPr>
+          <p:cNvSpPr txBox="1"/>
+          <p:nvPr/>
+        </p:nvSpPr>
+        <p:spPr>
+          <a:xfrm>
             <a:off x="262883" y="274219"/>
-            <a:ext cx="2547938" cy="369332"/>
+            <a:ext cx="2752166" cy="369332"/>
           </a:xfrm>
           <a:prstGeom prst="rect">
             <a:avLst/>
@@ -10743,280 +11409,7 @@
                   <a:schemeClr val="bg1"/>
                 </a:solidFill>
               </a:rPr>
-              <a:t>Scenario 2 </a:t>
-            </a:r>
-          </a:p>
-        </p:txBody>
-      </p:sp>
-      <p:sp>
-        <p:nvSpPr>
-          <p:cNvPr id="6" name="TextBox 5">
-            <a:extLst>
-              <a:ext uri="{FF2B5EF4-FFF2-40B4-BE49-F238E27FC236}">
-                <a16:creationId xmlns:a16="http://schemas.microsoft.com/office/drawing/2014/main" id="{C47D29D7-2E29-0045-D91C-B21F6231CEE7}"/>
-              </a:ext>
-            </a:extLst>
-          </p:cNvPr>
-          <p:cNvSpPr txBox="1"/>
-          <p:nvPr/>
-        </p:nvSpPr>
-        <p:spPr>
-          <a:xfrm>
-            <a:off x="2948418" y="274219"/>
-            <a:ext cx="6034943" cy="369332"/>
-          </a:xfrm>
-          <a:prstGeom prst="rect">
-            <a:avLst/>
-          </a:prstGeom>
-          <a:solidFill>
-            <a:schemeClr val="dk1">
-              <a:alpha val="50000"/>
-            </a:schemeClr>
-          </a:solidFill>
-          <a:ln w="63500">
-            <a:solidFill>
-              <a:schemeClr val="tx1">
-                <a:alpha val="27184"/>
-              </a:schemeClr>
-            </a:solidFill>
-          </a:ln>
-        </p:spPr>
-        <p:style>
-          <a:lnRef idx="0">
-            <a:scrgbClr r="0" g="0" b="0"/>
-          </a:lnRef>
-          <a:fillRef idx="0">
-            <a:scrgbClr r="0" g="0" b="0"/>
-          </a:fillRef>
-          <a:effectRef idx="0">
-            <a:scrgbClr r="0" g="0" b="0"/>
-          </a:effectRef>
-          <a:fontRef idx="minor">
-            <a:schemeClr val="lt1"/>
-          </a:fontRef>
-        </p:style>
-        <p:txBody>
-          <a:bodyPr wrap="square">
-            <a:spAutoFit/>
-          </a:bodyPr>
-          <a:lstStyle/>
-          <a:p>
-            <a:r>
-              <a:rPr lang="en-US" sz="1800" dirty="0">
-                <a:solidFill>
-                  <a:schemeClr val="bg1"/>
-                </a:solidFill>
-              </a:rPr>
-              <a:t>Internet Issues During an Online Lecture</a:t>
-            </a:r>
-          </a:p>
-        </p:txBody>
-      </p:sp>
-      <p:sp>
-        <p:nvSpPr>
-          <p:cNvPr id="9" name="TextBox 8">
-            <a:extLst>
-              <a:ext uri="{FF2B5EF4-FFF2-40B4-BE49-F238E27FC236}">
-                <a16:creationId xmlns:a16="http://schemas.microsoft.com/office/drawing/2014/main" id="{B8EF9215-3226-1A1C-C1A7-719938630B2D}"/>
-              </a:ext>
-            </a:extLst>
-          </p:cNvPr>
-          <p:cNvSpPr txBox="1"/>
-          <p:nvPr/>
-        </p:nvSpPr>
-        <p:spPr>
-          <a:xfrm>
-            <a:off x="0" y="738205"/>
-            <a:ext cx="8822722" cy="3982822"/>
-          </a:xfrm>
-          <a:prstGeom prst="rect">
-            <a:avLst/>
-          </a:prstGeom>
-          <a:noFill/>
-        </p:spPr>
-        <p:txBody>
-          <a:bodyPr wrap="square">
-            <a:spAutoFit/>
-          </a:bodyPr>
-          <a:lstStyle/>
-          <a:p>
-            <a:pPr marL="226060" indent="-6350">
-              <a:spcAft>
-                <a:spcPts val="1335"/>
-              </a:spcAft>
-            </a:pPr>
-            <a:r>
-              <a:rPr lang="ru-KZ" sz="2000" dirty="0">
-                <a:solidFill>
-                  <a:srgbClr val="000000"/>
-                </a:solidFill>
-                <a:effectLst/>
-                <a:latin typeface="Times New Roman" panose="02020603050405020304" pitchFamily="18" charset="0"/>
-                <a:ea typeface="Times New Roman" panose="02020603050405020304" pitchFamily="18" charset="0"/>
-              </a:rPr>
-              <a:t>Context: </a:t>
-            </a:r>
-          </a:p>
-          <a:p>
-            <a:pPr marL="226060" indent="-6350">
-              <a:lnSpc>
-                <a:spcPct val="107000"/>
-              </a:lnSpc>
-              <a:spcAft>
-                <a:spcPts val="1335"/>
-              </a:spcAft>
-            </a:pPr>
-            <a:r>
-              <a:rPr lang="ru-KZ" sz="1200" dirty="0">
-                <a:solidFill>
-                  <a:srgbClr val="000000"/>
-                </a:solidFill>
-                <a:effectLst/>
-                <a:latin typeface="Times New Roman" panose="02020603050405020304" pitchFamily="18" charset="0"/>
-                <a:ea typeface="Times New Roman" panose="02020603050405020304" pitchFamily="18" charset="0"/>
-              </a:rPr>
-              <a:t>A student is at an open house in the central part of campus. He tries to connect to the internet, but the network is congested and it is difficult to access the information he needs.</a:t>
-            </a:r>
-          </a:p>
-          <a:p>
-            <a:pPr marL="226060" indent="-6350">
-              <a:spcAft>
-                <a:spcPts val="1335"/>
-              </a:spcAft>
-            </a:pPr>
-            <a:r>
-              <a:rPr lang="ru-KZ" sz="2000" dirty="0">
-                <a:solidFill>
-                  <a:srgbClr val="000000"/>
-                </a:solidFill>
-                <a:effectLst/>
-                <a:latin typeface="Times New Roman" panose="02020603050405020304" pitchFamily="18" charset="0"/>
-                <a:ea typeface="Times New Roman" panose="02020603050405020304" pitchFamily="18" charset="0"/>
-              </a:rPr>
-              <a:t>Interaction:</a:t>
-            </a:r>
-          </a:p>
-          <a:p>
-            <a:pPr marL="226060" indent="-6350">
-              <a:lnSpc>
-                <a:spcPct val="107000"/>
-              </a:lnSpc>
-              <a:spcAft>
-                <a:spcPts val="1335"/>
-              </a:spcAft>
-            </a:pPr>
-            <a:r>
-              <a:rPr lang="ru-KZ" sz="1200" dirty="0">
-                <a:solidFill>
-                  <a:srgbClr val="000000"/>
-                </a:solidFill>
-                <a:effectLst/>
-                <a:latin typeface="Times New Roman" panose="02020603050405020304" pitchFamily="18" charset="0"/>
-                <a:ea typeface="Times New Roman" panose="02020603050405020304" pitchFamily="18" charset="0"/>
-              </a:rPr>
-              <a:t>-- IBot begins scanning the event area, driving between groups of students. Information about the number of people and the signal strength is displayed on the screen.</a:t>
-            </a:r>
-          </a:p>
-          <a:p>
-            <a:pPr marL="226060" indent="-6350">
-              <a:lnSpc>
-                <a:spcPct val="107000"/>
-              </a:lnSpc>
-              <a:spcAft>
-                <a:spcPts val="1335"/>
-              </a:spcAft>
-            </a:pPr>
-            <a:r>
-              <a:rPr lang="ru-KZ" sz="1200" dirty="0">
-                <a:solidFill>
-                  <a:srgbClr val="000000"/>
-                </a:solidFill>
-                <a:effectLst/>
-                <a:latin typeface="Times New Roman" panose="02020603050405020304" pitchFamily="18" charset="0"/>
-                <a:ea typeface="Times New Roman" panose="02020603050405020304" pitchFamily="18" charset="0"/>
-              </a:rPr>
-              <a:t>-- While scanning, IBot notices that there are about 100 students and visitors in the area, and the Wi-Fi signal strength is 1 out of 5.</a:t>
-            </a:r>
-          </a:p>
-          <a:p>
-            <a:pPr marL="226060" indent="-6350">
-              <a:spcAft>
-                <a:spcPts val="1335"/>
-              </a:spcAft>
-            </a:pPr>
-            <a:r>
-              <a:rPr lang="ru-KZ" sz="2000" dirty="0">
-                <a:solidFill>
-                  <a:srgbClr val="000000"/>
-                </a:solidFill>
-                <a:effectLst/>
-                <a:latin typeface="Times New Roman" panose="02020603050405020304" pitchFamily="18" charset="0"/>
-                <a:ea typeface="Times New Roman" panose="02020603050405020304" pitchFamily="18" charset="0"/>
-              </a:rPr>
-              <a:t>Result:</a:t>
-            </a:r>
-          </a:p>
-          <a:p>
-            <a:pPr marL="226060" indent="-6350">
-              <a:lnSpc>
-                <a:spcPct val="107000"/>
-              </a:lnSpc>
-              <a:spcAft>
-                <a:spcPts val="1335"/>
-              </a:spcAft>
-            </a:pPr>
-            <a:r>
-              <a:rPr lang="ru-KZ" sz="1200" dirty="0">
-                <a:solidFill>
-                  <a:srgbClr val="000000"/>
-                </a:solidFill>
-                <a:effectLst/>
-                <a:latin typeface="Times New Roman" panose="02020603050405020304" pitchFamily="18" charset="0"/>
-                <a:ea typeface="Times New Roman" panose="02020603050405020304" pitchFamily="18" charset="0"/>
-              </a:rPr>
-              <a:t>-- IBot stops in the middle of the crowd and automatically activates the signal booster.</a:t>
-            </a:r>
-          </a:p>
-          <a:p>
-            <a:pPr marL="226060" indent="-6350">
-              <a:lnSpc>
-                <a:spcPct val="107000"/>
-              </a:lnSpc>
-              <a:spcAft>
-                <a:spcPts val="1335"/>
-              </a:spcAft>
-            </a:pPr>
-            <a:r>
-              <a:rPr lang="ru-KZ" sz="1200" dirty="0">
-                <a:solidFill>
-                  <a:srgbClr val="000000"/>
-                </a:solidFill>
-                <a:effectLst/>
-                <a:latin typeface="Times New Roman" panose="02020603050405020304" pitchFamily="18" charset="0"/>
-                <a:ea typeface="Times New Roman" panose="02020603050405020304" pitchFamily="18" charset="0"/>
-              </a:rPr>
-              <a:t>-- Visitors and students notice that the internet is more stable.</a:t>
-            </a:r>
-          </a:p>
-          <a:p>
-            <a:pPr marL="226060" indent="-6350">
-              <a:lnSpc>
-                <a:spcPct val="107000"/>
-              </a:lnSpc>
-              <a:spcAft>
-                <a:spcPts val="1335"/>
-              </a:spcAft>
-            </a:pPr>
-            <a:r>
-              <a:rPr lang="ru-KZ" sz="1200" dirty="0">
-                <a:solidFill>
-                  <a:srgbClr val="000000"/>
-                </a:solidFill>
-                <a:effectLst/>
-                <a:latin typeface="Times New Roman" panose="02020603050405020304" pitchFamily="18" charset="0"/>
-                <a:ea typeface="Times New Roman" panose="02020603050405020304" pitchFamily="18" charset="0"/>
-              </a:rPr>
-              <a:t>-- They can now access online resources, share their experiences on social media, and interact with the event organizers.</a:t>
+              <a:t>Storyboard for scenario 1  </a:t>
             </a:r>
           </a:p>
         </p:txBody>
@@ -11024,7 +11417,7 @@
     </p:spTree>
     <p:extLst>
       <p:ext uri="{BB962C8B-B14F-4D97-AF65-F5344CB8AC3E}">
-        <p14:creationId xmlns:p14="http://schemas.microsoft.com/office/powerpoint/2010/main" val="3036151730"/>
+        <p14:creationId xmlns:p14="http://schemas.microsoft.com/office/powerpoint/2010/main" val="3238286398"/>
       </p:ext>
     </p:extLst>
   </p:cSld>
@@ -11051,192 +11444,12 @@
           <a:chExt cx="0" cy="0"/>
         </a:xfrm>
       </p:grpSpPr>
-      <p:pic>
-        <p:nvPicPr>
-          <p:cNvPr id="2" name="Рисунок 1">
+      <p:sp>
+        <p:nvSpPr>
+          <p:cNvPr id="4" name="TextBox 3">
             <a:extLst>
               <a:ext uri="{FF2B5EF4-FFF2-40B4-BE49-F238E27FC236}">
-                <a16:creationId xmlns:a16="http://schemas.microsoft.com/office/drawing/2014/main" id="{F4B10F43-80C8-51B9-4A01-44667D8EE73F}"/>
-              </a:ext>
-            </a:extLst>
-          </p:cNvPr>
-          <p:cNvPicPr>
-            <a:picLocks noChangeAspect="1"/>
-          </p:cNvPicPr>
-          <p:nvPr/>
-        </p:nvPicPr>
-        <p:blipFill>
-          <a:blip r:embed="rId2" cstate="print">
-            <a:extLst>
-              <a:ext uri="{28A0092B-C50C-407E-A947-70E740481C1C}">
-                <a14:useLocalDpi xmlns:a14="http://schemas.microsoft.com/office/drawing/2010/main" val="0"/>
-              </a:ext>
-            </a:extLst>
-          </a:blip>
-          <a:stretch>
-            <a:fillRect/>
-          </a:stretch>
-        </p:blipFill>
-        <p:spPr>
-          <a:xfrm>
-            <a:off x="6330950" y="435458"/>
-            <a:ext cx="2506980" cy="1939290"/>
-          </a:xfrm>
-          <a:prstGeom prst="rect">
-            <a:avLst/>
-          </a:prstGeom>
-        </p:spPr>
-      </p:pic>
-      <p:pic>
-        <p:nvPicPr>
-          <p:cNvPr id="3" name="Рисунок 2">
-            <a:extLst>
-              <a:ext uri="{FF2B5EF4-FFF2-40B4-BE49-F238E27FC236}">
-                <a16:creationId xmlns:a16="http://schemas.microsoft.com/office/drawing/2014/main" id="{0A43035F-2F9B-C976-F413-33742C425C53}"/>
-              </a:ext>
-            </a:extLst>
-          </p:cNvPr>
-          <p:cNvPicPr>
-            <a:picLocks noChangeAspect="1"/>
-          </p:cNvPicPr>
-          <p:nvPr/>
-        </p:nvPicPr>
-        <p:blipFill>
-          <a:blip r:embed="rId3" cstate="print">
-            <a:extLst>
-              <a:ext uri="{28A0092B-C50C-407E-A947-70E740481C1C}">
-                <a14:useLocalDpi xmlns:a14="http://schemas.microsoft.com/office/drawing/2010/main" val="0"/>
-              </a:ext>
-            </a:extLst>
-          </a:blip>
-          <a:stretch>
-            <a:fillRect/>
-          </a:stretch>
-        </p:blipFill>
-        <p:spPr>
-          <a:xfrm>
-            <a:off x="3588386" y="447214"/>
-            <a:ext cx="2405380" cy="1927534"/>
-          </a:xfrm>
-          <a:prstGeom prst="rect">
-            <a:avLst/>
-          </a:prstGeom>
-        </p:spPr>
-      </p:pic>
-      <p:pic>
-        <p:nvPicPr>
-          <p:cNvPr id="10" name="Рисунок 9">
-            <a:extLst>
-              <a:ext uri="{FF2B5EF4-FFF2-40B4-BE49-F238E27FC236}">
-                <a16:creationId xmlns:a16="http://schemas.microsoft.com/office/drawing/2014/main" id="{DA3E5E4E-ED33-0BDD-A7C8-D22D7845F6F8}"/>
-              </a:ext>
-            </a:extLst>
-          </p:cNvPr>
-          <p:cNvPicPr>
-            <a:picLocks noChangeAspect="1"/>
-          </p:cNvPicPr>
-          <p:nvPr/>
-        </p:nvPicPr>
-        <p:blipFill>
-          <a:blip r:embed="rId4" cstate="print">
-            <a:extLst>
-              <a:ext uri="{28A0092B-C50C-407E-A947-70E740481C1C}">
-                <a14:useLocalDpi xmlns:a14="http://schemas.microsoft.com/office/drawing/2010/main" val="0"/>
-              </a:ext>
-            </a:extLst>
-          </a:blip>
-          <a:stretch>
-            <a:fillRect/>
-          </a:stretch>
-        </p:blipFill>
-        <p:spPr>
-          <a:xfrm>
-            <a:off x="262883" y="2769870"/>
-            <a:ext cx="2915285" cy="1830705"/>
-          </a:xfrm>
-          <a:prstGeom prst="rect">
-            <a:avLst/>
-          </a:prstGeom>
-        </p:spPr>
-      </p:pic>
-      <p:pic>
-        <p:nvPicPr>
-          <p:cNvPr id="11" name="Рисунок 10">
-            <a:extLst>
-              <a:ext uri="{FF2B5EF4-FFF2-40B4-BE49-F238E27FC236}">
-                <a16:creationId xmlns:a16="http://schemas.microsoft.com/office/drawing/2014/main" id="{19E72B60-003A-1A69-8063-1E6367ECB6CB}"/>
-              </a:ext>
-            </a:extLst>
-          </p:cNvPr>
-          <p:cNvPicPr>
-            <a:picLocks noChangeAspect="1"/>
-          </p:cNvPicPr>
-          <p:nvPr/>
-        </p:nvPicPr>
-        <p:blipFill>
-          <a:blip r:embed="rId5">
-            <a:extLst>
-              <a:ext uri="{28A0092B-C50C-407E-A947-70E740481C1C}">
-                <a14:useLocalDpi xmlns:a14="http://schemas.microsoft.com/office/drawing/2010/main" val="0"/>
-              </a:ext>
-            </a:extLst>
-          </a:blip>
-          <a:stretch>
-            <a:fillRect/>
-          </a:stretch>
-        </p:blipFill>
-        <p:spPr>
-          <a:xfrm>
-            <a:off x="6296978" y="2769869"/>
-            <a:ext cx="2512670" cy="1830705"/>
-          </a:xfrm>
-          <a:prstGeom prst="rect">
-            <a:avLst/>
-          </a:prstGeom>
-        </p:spPr>
-      </p:pic>
-      <p:pic>
-        <p:nvPicPr>
-          <p:cNvPr id="15" name="Рисунок 14">
-            <a:extLst>
-              <a:ext uri="{FF2B5EF4-FFF2-40B4-BE49-F238E27FC236}">
-                <a16:creationId xmlns:a16="http://schemas.microsoft.com/office/drawing/2014/main" id="{10FCFC51-81EE-E5A0-84AC-78E95B628967}"/>
-              </a:ext>
-            </a:extLst>
-          </p:cNvPr>
-          <p:cNvPicPr>
-            <a:picLocks noChangeAspect="1"/>
-          </p:cNvPicPr>
-          <p:nvPr/>
-        </p:nvPicPr>
-        <p:blipFill>
-          <a:blip r:embed="rId6" cstate="print">
-            <a:extLst>
-              <a:ext uri="{28A0092B-C50C-407E-A947-70E740481C1C}">
-                <a14:useLocalDpi xmlns:a14="http://schemas.microsoft.com/office/drawing/2010/main" val="0"/>
-              </a:ext>
-            </a:extLst>
-          </a:blip>
-          <a:stretch>
-            <a:fillRect/>
-          </a:stretch>
-        </p:blipFill>
-        <p:spPr>
-          <a:xfrm>
-            <a:off x="3558590" y="2769869"/>
-            <a:ext cx="2435176" cy="1830705"/>
-          </a:xfrm>
-          <a:prstGeom prst="rect">
-            <a:avLst/>
-          </a:prstGeom>
-        </p:spPr>
-      </p:pic>
-      <p:sp>
-        <p:nvSpPr>
-          <p:cNvPr id="24" name="TextBox 23">
-            <a:extLst>
-              <a:ext uri="{FF2B5EF4-FFF2-40B4-BE49-F238E27FC236}">
-                <a16:creationId xmlns:a16="http://schemas.microsoft.com/office/drawing/2014/main" id="{D79EE3FA-A4A1-FD16-65F3-EB5C0D78E104}"/>
+                <a16:creationId xmlns:a16="http://schemas.microsoft.com/office/drawing/2014/main" id="{4448CABF-D69B-40BE-D616-76ACDA62364C}"/>
               </a:ext>
             </a:extLst>
           </p:cNvPr>
@@ -11245,7 +11458,7 @@
         </p:nvSpPr>
         <p:spPr>
           <a:xfrm>
-            <a:off x="262883" y="447213"/>
+            <a:off x="262883" y="274219"/>
             <a:ext cx="2547938" cy="369332"/>
           </a:xfrm>
           <a:prstGeom prst="rect">
@@ -11266,24 +11479,24 @@
           </a:bodyPr>
           <a:lstStyle/>
           <a:p>
-            <a:pPr algn="ctr"/>
+            <a:pPr algn="r"/>
             <a:r>
               <a:rPr lang="en-US" sz="1800" dirty="0">
                 <a:solidFill>
                   <a:schemeClr val="bg1"/>
                 </a:solidFill>
               </a:rPr>
-              <a:t>Sketches</a:t>
+              <a:t>Scenario 2 </a:t>
             </a:r>
           </a:p>
         </p:txBody>
       </p:sp>
       <p:sp>
         <p:nvSpPr>
-          <p:cNvPr id="25" name="TextBox 24">
+          <p:cNvPr id="6" name="TextBox 5">
             <a:extLst>
               <a:ext uri="{FF2B5EF4-FFF2-40B4-BE49-F238E27FC236}">
-                <a16:creationId xmlns:a16="http://schemas.microsoft.com/office/drawing/2014/main" id="{9467D8CD-CCCA-AC00-B194-B7BDEED5A2CE}"/>
+                <a16:creationId xmlns:a16="http://schemas.microsoft.com/office/drawing/2014/main" id="{C47D29D7-2E29-0045-D91C-B21F6231CEE7}"/>
               </a:ext>
             </a:extLst>
           </p:cNvPr>
@@ -11292,19 +11505,39 @@
         </p:nvSpPr>
         <p:spPr>
           <a:xfrm>
-            <a:off x="262883" y="981115"/>
-            <a:ext cx="2988319" cy="1384995"/>
+            <a:off x="2948418" y="274219"/>
+            <a:ext cx="6034943" cy="369332"/>
           </a:xfrm>
           <a:prstGeom prst="rect">
             <a:avLst/>
           </a:prstGeom>
-          <a:noFill/>
-          <a:ln w="25400" cap="rnd">
+          <a:solidFill>
+            <a:schemeClr val="dk1">
+              <a:alpha val="50000"/>
+            </a:schemeClr>
+          </a:solidFill>
+          <a:ln w="63500">
             <a:solidFill>
-              <a:schemeClr val="tx1"/>
+              <a:schemeClr val="tx1">
+                <a:alpha val="27184"/>
+              </a:schemeClr>
             </a:solidFill>
           </a:ln>
         </p:spPr>
+        <p:style>
+          <a:lnRef idx="0">
+            <a:scrgbClr r="0" g="0" b="0"/>
+          </a:lnRef>
+          <a:fillRef idx="0">
+            <a:scrgbClr r="0" g="0" b="0"/>
+          </a:fillRef>
+          <a:effectRef idx="0">
+            <a:scrgbClr r="0" g="0" b="0"/>
+          </a:effectRef>
+          <a:fontRef idx="minor">
+            <a:schemeClr val="lt1"/>
+          </a:fontRef>
+        </p:style>
         <p:txBody>
           <a:bodyPr wrap="square">
             <a:spAutoFit/>
@@ -11312,19 +11545,229 @@
           <a:lstStyle/>
           <a:p>
             <a:r>
-              <a:rPr lang="en" dirty="0">
+              <a:rPr lang="en-US" sz="1800" dirty="0">
+                <a:solidFill>
+                  <a:schemeClr val="bg1"/>
+                </a:solidFill>
+              </a:rPr>
+              <a:t>Internet Issues During an Online Lecture</a:t>
+            </a:r>
+          </a:p>
+        </p:txBody>
+      </p:sp>
+      <p:sp>
+        <p:nvSpPr>
+          <p:cNvPr id="9" name="TextBox 8">
+            <a:extLst>
+              <a:ext uri="{FF2B5EF4-FFF2-40B4-BE49-F238E27FC236}">
+                <a16:creationId xmlns:a16="http://schemas.microsoft.com/office/drawing/2014/main" id="{B8EF9215-3226-1A1C-C1A7-719938630B2D}"/>
+              </a:ext>
+            </a:extLst>
+          </p:cNvPr>
+          <p:cNvSpPr txBox="1"/>
+          <p:nvPr/>
+        </p:nvSpPr>
+        <p:spPr>
+          <a:xfrm>
+            <a:off x="0" y="738205"/>
+            <a:ext cx="8822722" cy="3982822"/>
+          </a:xfrm>
+          <a:prstGeom prst="rect">
+            <a:avLst/>
+          </a:prstGeom>
+          <a:noFill/>
+        </p:spPr>
+        <p:txBody>
+          <a:bodyPr wrap="square">
+            <a:spAutoFit/>
+          </a:bodyPr>
+          <a:lstStyle/>
+          <a:p>
+            <a:pPr marL="226060" indent="-6350">
+              <a:spcAft>
+                <a:spcPts val="1335"/>
+              </a:spcAft>
+            </a:pPr>
+            <a:r>
+              <a:rPr lang="ru-KZ" sz="2000" dirty="0">
+                <a:solidFill>
+                  <a:srgbClr val="000000"/>
+                </a:solidFill>
                 <a:effectLst/>
+                <a:latin typeface="Times New Roman" panose="02020603050405020304" pitchFamily="18" charset="0"/>
+                <a:ea typeface="Times New Roman" panose="02020603050405020304" pitchFamily="18" charset="0"/>
               </a:rPr>
-              <a:t>I started with a few rough sketches to display the functionality of the modified courier robot and its approximate location of elements. As well as the estimated work process.</a:t>
+              <a:t>Context: </a:t>
             </a:r>
-            <a:endParaRPr lang="ru-KZ" dirty="0"/>
+          </a:p>
+          <a:p>
+            <a:pPr marL="226060" indent="-6350">
+              <a:lnSpc>
+                <a:spcPct val="107000"/>
+              </a:lnSpc>
+              <a:spcAft>
+                <a:spcPts val="1335"/>
+              </a:spcAft>
+            </a:pPr>
+            <a:r>
+              <a:rPr lang="ru-KZ" sz="1200" dirty="0">
+                <a:solidFill>
+                  <a:srgbClr val="000000"/>
+                </a:solidFill>
+                <a:effectLst/>
+                <a:latin typeface="Times New Roman" panose="02020603050405020304" pitchFamily="18" charset="0"/>
+                <a:ea typeface="Times New Roman" panose="02020603050405020304" pitchFamily="18" charset="0"/>
+              </a:rPr>
+              <a:t>A student is at an open house in the central part of campus. He tries to connect to the internet, but the network is congested and it is difficult to access the information he needs.</a:t>
+            </a:r>
+          </a:p>
+          <a:p>
+            <a:pPr marL="226060" indent="-6350">
+              <a:spcAft>
+                <a:spcPts val="1335"/>
+              </a:spcAft>
+            </a:pPr>
+            <a:r>
+              <a:rPr lang="ru-KZ" sz="2000" dirty="0">
+                <a:solidFill>
+                  <a:srgbClr val="000000"/>
+                </a:solidFill>
+                <a:effectLst/>
+                <a:latin typeface="Times New Roman" panose="02020603050405020304" pitchFamily="18" charset="0"/>
+                <a:ea typeface="Times New Roman" panose="02020603050405020304" pitchFamily="18" charset="0"/>
+              </a:rPr>
+              <a:t>Interaction:</a:t>
+            </a:r>
+          </a:p>
+          <a:p>
+            <a:pPr marL="226060" indent="-6350">
+              <a:lnSpc>
+                <a:spcPct val="107000"/>
+              </a:lnSpc>
+              <a:spcAft>
+                <a:spcPts val="1335"/>
+              </a:spcAft>
+            </a:pPr>
+            <a:r>
+              <a:rPr lang="ru-KZ" sz="1200" dirty="0">
+                <a:solidFill>
+                  <a:srgbClr val="000000"/>
+                </a:solidFill>
+                <a:effectLst/>
+                <a:latin typeface="Times New Roman" panose="02020603050405020304" pitchFamily="18" charset="0"/>
+                <a:ea typeface="Times New Roman" panose="02020603050405020304" pitchFamily="18" charset="0"/>
+              </a:rPr>
+              <a:t>-- IBot begins scanning the event area, driving between groups of students. Information about the number of people and the signal strength is displayed on the screen.</a:t>
+            </a:r>
+          </a:p>
+          <a:p>
+            <a:pPr marL="226060" indent="-6350">
+              <a:lnSpc>
+                <a:spcPct val="107000"/>
+              </a:lnSpc>
+              <a:spcAft>
+                <a:spcPts val="1335"/>
+              </a:spcAft>
+            </a:pPr>
+            <a:r>
+              <a:rPr lang="ru-KZ" sz="1200" dirty="0">
+                <a:solidFill>
+                  <a:srgbClr val="000000"/>
+                </a:solidFill>
+                <a:effectLst/>
+                <a:latin typeface="Times New Roman" panose="02020603050405020304" pitchFamily="18" charset="0"/>
+                <a:ea typeface="Times New Roman" panose="02020603050405020304" pitchFamily="18" charset="0"/>
+              </a:rPr>
+              <a:t>-- While scanning, IBot notices that there are about 100 students and visitors in the area, and the Wi-Fi signal strength is 1 out of 5.</a:t>
+            </a:r>
+          </a:p>
+          <a:p>
+            <a:pPr marL="226060" indent="-6350">
+              <a:spcAft>
+                <a:spcPts val="1335"/>
+              </a:spcAft>
+            </a:pPr>
+            <a:r>
+              <a:rPr lang="ru-KZ" sz="2000" dirty="0">
+                <a:solidFill>
+                  <a:srgbClr val="000000"/>
+                </a:solidFill>
+                <a:effectLst/>
+                <a:latin typeface="Times New Roman" panose="02020603050405020304" pitchFamily="18" charset="0"/>
+                <a:ea typeface="Times New Roman" panose="02020603050405020304" pitchFamily="18" charset="0"/>
+              </a:rPr>
+              <a:t>Result:</a:t>
+            </a:r>
+          </a:p>
+          <a:p>
+            <a:pPr marL="226060" indent="-6350">
+              <a:lnSpc>
+                <a:spcPct val="107000"/>
+              </a:lnSpc>
+              <a:spcAft>
+                <a:spcPts val="1335"/>
+              </a:spcAft>
+            </a:pPr>
+            <a:r>
+              <a:rPr lang="ru-KZ" sz="1200" dirty="0">
+                <a:solidFill>
+                  <a:srgbClr val="000000"/>
+                </a:solidFill>
+                <a:effectLst/>
+                <a:latin typeface="Times New Roman" panose="02020603050405020304" pitchFamily="18" charset="0"/>
+                <a:ea typeface="Times New Roman" panose="02020603050405020304" pitchFamily="18" charset="0"/>
+              </a:rPr>
+              <a:t>-- IBot stops in the middle of the crowd and automatically activates the signal booster.</a:t>
+            </a:r>
+          </a:p>
+          <a:p>
+            <a:pPr marL="226060" indent="-6350">
+              <a:lnSpc>
+                <a:spcPct val="107000"/>
+              </a:lnSpc>
+              <a:spcAft>
+                <a:spcPts val="1335"/>
+              </a:spcAft>
+            </a:pPr>
+            <a:r>
+              <a:rPr lang="ru-KZ" sz="1200" dirty="0">
+                <a:solidFill>
+                  <a:srgbClr val="000000"/>
+                </a:solidFill>
+                <a:effectLst/>
+                <a:latin typeface="Times New Roman" panose="02020603050405020304" pitchFamily="18" charset="0"/>
+                <a:ea typeface="Times New Roman" panose="02020603050405020304" pitchFamily="18" charset="0"/>
+              </a:rPr>
+              <a:t>-- Visitors and students notice that the internet is more stable.</a:t>
+            </a:r>
+          </a:p>
+          <a:p>
+            <a:pPr marL="226060" indent="-6350">
+              <a:lnSpc>
+                <a:spcPct val="107000"/>
+              </a:lnSpc>
+              <a:spcAft>
+                <a:spcPts val="1335"/>
+              </a:spcAft>
+            </a:pPr>
+            <a:r>
+              <a:rPr lang="ru-KZ" sz="1200" dirty="0">
+                <a:solidFill>
+                  <a:srgbClr val="000000"/>
+                </a:solidFill>
+                <a:effectLst/>
+                <a:latin typeface="Times New Roman" panose="02020603050405020304" pitchFamily="18" charset="0"/>
+                <a:ea typeface="Times New Roman" panose="02020603050405020304" pitchFamily="18" charset="0"/>
+              </a:rPr>
+              <a:t>-- They can now access online resources, share their experiences on social media, and interact with the event organizers.</a:t>
+            </a:r>
           </a:p>
         </p:txBody>
       </p:sp>
     </p:spTree>
     <p:extLst>
       <p:ext uri="{BB962C8B-B14F-4D97-AF65-F5344CB8AC3E}">
-        <p14:creationId xmlns:p14="http://schemas.microsoft.com/office/powerpoint/2010/main" val="1829160259"/>
+        <p14:creationId xmlns:p14="http://schemas.microsoft.com/office/powerpoint/2010/main" val="3036151730"/>
       </p:ext>
     </p:extLst>
   </p:cSld>
